--- a/Presentation.pptx
+++ b/Presentation.pptx
@@ -110,6 +110,11 @@
       </a:defRPr>
     </a:lvl9pPr>
   </p:defaultTextStyle>
+  <p:extLst>
+    <p:ext uri="{EFAFB233-063F-42B5-8137-9DF3F51BA10A}">
+      <p15:sldGuideLst xmlns:p15="http://schemas.microsoft.com/office/powerpoint/2012/main"/>
+    </p:ext>
+  </p:extLst>
 </p:presentation>
 </file>
 
@@ -9143,432 +9148,12 @@
           <a:chExt cx="0" cy="0"/>
         </a:xfrm>
       </p:grpSpPr>
-      <p:grpSp>
-        <p:nvGrpSpPr>
-          <p:cNvPr id="31" name="Group 10">
+      <p:sp useBgFill="1">
+        <p:nvSpPr>
+          <p:cNvPr id="40" name="Rectangle 39">
             <a:extLst>
               <a:ext uri="{FF2B5EF4-FFF2-40B4-BE49-F238E27FC236}">
-                <a16:creationId xmlns:a16="http://schemas.microsoft.com/office/drawing/2014/main" id="{D6BA167A-D3C3-4EE8-8B5E-13679208725E}"/>
-              </a:ext>
-              <a:ext uri="{C183D7F6-B498-43B3-948B-1728B52AA6E4}">
-                <adec:decorative xmlns:adec="http://schemas.microsoft.com/office/drawing/2017/decorative" val="1"/>
-              </a:ext>
-            </a:extLst>
-          </p:cNvPr>
-          <p:cNvGrpSpPr>
-            <a:grpSpLocks noGrp="1" noUngrp="1" noRot="1" noChangeAspect="1" noMove="1" noResize="1"/>
-          </p:cNvGrpSpPr>
-          <p:nvPr>
-            <p:extLst>
-              <p:ext uri="{386F3935-93C4-4BCD-93E2-E3B085C9AB24}">
-                <p16:designElem xmlns:p16="http://schemas.microsoft.com/office/powerpoint/2015/main" val="1"/>
-              </p:ext>
-            </p:extLst>
-          </p:nvPr>
-        </p:nvGrpSpPr>
-        <p:grpSpPr>
-          <a:xfrm>
-            <a:off x="546100" y="-4763"/>
-            <a:ext cx="5014912" cy="6862763"/>
-            <a:chOff x="2928938" y="-4763"/>
-            <a:chExt cx="5014912" cy="6862763"/>
-          </a:xfrm>
-        </p:grpSpPr>
-        <p:sp>
-          <p:nvSpPr>
-            <p:cNvPr id="12" name="Freeform 6">
-              <a:extLst>
-                <a:ext uri="{FF2B5EF4-FFF2-40B4-BE49-F238E27FC236}">
-                  <a16:creationId xmlns:a16="http://schemas.microsoft.com/office/drawing/2014/main" id="{810CA83B-630E-45DB-ADCB-F0260428513D}"/>
-                </a:ext>
-                <a:ext uri="{C183D7F6-B498-43B3-948B-1728B52AA6E4}">
-                  <adec:decorative xmlns:adec="http://schemas.microsoft.com/office/drawing/2017/decorative" val="1"/>
-                </a:ext>
-              </a:extLst>
-            </p:cNvPr>
-            <p:cNvSpPr/>
-            <p:nvPr>
-              <p:extLst>
-                <p:ext uri="{386F3935-93C4-4BCD-93E2-E3B085C9AB24}">
-                  <p16:designElem xmlns:p16="http://schemas.microsoft.com/office/powerpoint/2015/main" val="1"/>
-                </p:ext>
-              </p:extLst>
-            </p:nvPr>
-          </p:nvSpPr>
-          <p:spPr bwMode="auto">
-            <a:xfrm>
-              <a:off x="3367088" y="-4763"/>
-              <a:ext cx="1063625" cy="2782888"/>
-            </a:xfrm>
-            <a:custGeom>
-              <a:avLst/>
-              <a:gdLst/>
-              <a:ahLst/>
-              <a:cxnLst/>
-              <a:rect l="0" t="0" r="r" b="b"/>
-              <a:pathLst>
-                <a:path w="670" h="1753">
-                  <a:moveTo>
-                    <a:pt x="0" y="1696"/>
-                  </a:moveTo>
-                  <a:lnTo>
-                    <a:pt x="225" y="1753"/>
-                  </a:lnTo>
-                  <a:lnTo>
-                    <a:pt x="670" y="0"/>
-                  </a:lnTo>
-                  <a:lnTo>
-                    <a:pt x="430" y="0"/>
-                  </a:lnTo>
-                  <a:lnTo>
-                    <a:pt x="0" y="1696"/>
-                  </a:lnTo>
-                  <a:close/>
-                </a:path>
-              </a:pathLst>
-            </a:custGeom>
-            <a:solidFill>
-              <a:schemeClr val="accent1"/>
-            </a:solidFill>
-            <a:ln>
-              <a:noFill/>
-            </a:ln>
-          </p:spPr>
-        </p:sp>
-        <p:sp>
-          <p:nvSpPr>
-            <p:cNvPr id="13" name="Freeform 7">
-              <a:extLst>
-                <a:ext uri="{FF2B5EF4-FFF2-40B4-BE49-F238E27FC236}">
-                  <a16:creationId xmlns:a16="http://schemas.microsoft.com/office/drawing/2014/main" id="{7A57B554-6973-429A-818B-524C03DA479E}"/>
-                </a:ext>
-                <a:ext uri="{C183D7F6-B498-43B3-948B-1728B52AA6E4}">
-                  <adec:decorative xmlns:adec="http://schemas.microsoft.com/office/drawing/2017/decorative" val="1"/>
-                </a:ext>
-              </a:extLst>
-            </p:cNvPr>
-            <p:cNvSpPr/>
-            <p:nvPr>
-              <p:extLst>
-                <p:ext uri="{386F3935-93C4-4BCD-93E2-E3B085C9AB24}">
-                  <p16:designElem xmlns:p16="http://schemas.microsoft.com/office/powerpoint/2015/main" val="1"/>
-                </p:ext>
-              </p:extLst>
-            </p:nvPr>
-          </p:nvSpPr>
-          <p:spPr bwMode="auto">
-            <a:xfrm>
-              <a:off x="2928938" y="-4763"/>
-              <a:ext cx="1035050" cy="2673350"/>
-            </a:xfrm>
-            <a:custGeom>
-              <a:avLst/>
-              <a:gdLst/>
-              <a:ahLst/>
-              <a:cxnLst/>
-              <a:rect l="0" t="0" r="r" b="b"/>
-              <a:pathLst>
-                <a:path w="652" h="1684">
-                  <a:moveTo>
-                    <a:pt x="225" y="1684"/>
-                  </a:moveTo>
-                  <a:lnTo>
-                    <a:pt x="652" y="0"/>
-                  </a:lnTo>
-                  <a:lnTo>
-                    <a:pt x="411" y="0"/>
-                  </a:lnTo>
-                  <a:lnTo>
-                    <a:pt x="0" y="1627"/>
-                  </a:lnTo>
-                  <a:lnTo>
-                    <a:pt x="219" y="1681"/>
-                  </a:lnTo>
-                  <a:lnTo>
-                    <a:pt x="225" y="1684"/>
-                  </a:lnTo>
-                  <a:close/>
-                </a:path>
-              </a:pathLst>
-            </a:custGeom>
-            <a:solidFill>
-              <a:schemeClr val="tx1">
-                <a:lumMod val="65000"/>
-                <a:lumOff val="35000"/>
-              </a:schemeClr>
-            </a:solidFill>
-            <a:ln>
-              <a:noFill/>
-            </a:ln>
-          </p:spPr>
-        </p:sp>
-        <p:sp>
-          <p:nvSpPr>
-            <p:cNvPr id="14" name="Freeform 9">
-              <a:extLst>
-                <a:ext uri="{FF2B5EF4-FFF2-40B4-BE49-F238E27FC236}">
-                  <a16:creationId xmlns:a16="http://schemas.microsoft.com/office/drawing/2014/main" id="{89ED2DB2-F3BB-4B5E-84E6-CC259E394AF3}"/>
-                </a:ext>
-                <a:ext uri="{C183D7F6-B498-43B3-948B-1728B52AA6E4}">
-                  <adec:decorative xmlns:adec="http://schemas.microsoft.com/office/drawing/2017/decorative" val="1"/>
-                </a:ext>
-              </a:extLst>
-            </p:cNvPr>
-            <p:cNvSpPr/>
-            <p:nvPr>
-              <p:extLst>
-                <p:ext uri="{386F3935-93C4-4BCD-93E2-E3B085C9AB24}">
-                  <p16:designElem xmlns:p16="http://schemas.microsoft.com/office/powerpoint/2015/main" val="1"/>
-                </p:ext>
-              </p:extLst>
-            </p:nvPr>
-          </p:nvSpPr>
-          <p:spPr bwMode="auto">
-            <a:xfrm>
-              <a:off x="2928938" y="2582862"/>
-              <a:ext cx="2693987" cy="4275138"/>
-            </a:xfrm>
-            <a:custGeom>
-              <a:avLst/>
-              <a:gdLst/>
-              <a:ahLst/>
-              <a:cxnLst/>
-              <a:rect l="0" t="0" r="r" b="b"/>
-              <a:pathLst>
-                <a:path w="1697" h="2693">
-                  <a:moveTo>
-                    <a:pt x="0" y="0"/>
-                  </a:moveTo>
-                  <a:lnTo>
-                    <a:pt x="1622" y="2693"/>
-                  </a:lnTo>
-                  <a:lnTo>
-                    <a:pt x="1697" y="2693"/>
-                  </a:lnTo>
-                  <a:lnTo>
-                    <a:pt x="0" y="0"/>
-                  </a:lnTo>
-                  <a:close/>
-                </a:path>
-              </a:pathLst>
-            </a:custGeom>
-            <a:solidFill>
-              <a:schemeClr val="tx1">
-                <a:lumMod val="85000"/>
-                <a:lumOff val="15000"/>
-              </a:schemeClr>
-            </a:solidFill>
-            <a:ln>
-              <a:noFill/>
-            </a:ln>
-          </p:spPr>
-        </p:sp>
-        <p:sp>
-          <p:nvSpPr>
-            <p:cNvPr id="15" name="Freeform 10">
-              <a:extLst>
-                <a:ext uri="{FF2B5EF4-FFF2-40B4-BE49-F238E27FC236}">
-                  <a16:creationId xmlns:a16="http://schemas.microsoft.com/office/drawing/2014/main" id="{93816493-5723-43CF-95A9-2CDEC9B11D76}"/>
-                </a:ext>
-                <a:ext uri="{C183D7F6-B498-43B3-948B-1728B52AA6E4}">
-                  <adec:decorative xmlns:adec="http://schemas.microsoft.com/office/drawing/2017/decorative" val="1"/>
-                </a:ext>
-              </a:extLst>
-            </p:cNvPr>
-            <p:cNvSpPr/>
-            <p:nvPr>
-              <p:extLst>
-                <p:ext uri="{386F3935-93C4-4BCD-93E2-E3B085C9AB24}">
-                  <p16:designElem xmlns:p16="http://schemas.microsoft.com/office/powerpoint/2015/main" val="1"/>
-                </p:ext>
-              </p:extLst>
-            </p:nvPr>
-          </p:nvSpPr>
-          <p:spPr bwMode="auto">
-            <a:xfrm>
-              <a:off x="3371850" y="2692400"/>
-              <a:ext cx="3332162" cy="4165600"/>
-            </a:xfrm>
-            <a:custGeom>
-              <a:avLst/>
-              <a:gdLst/>
-              <a:ahLst/>
-              <a:cxnLst/>
-              <a:rect l="0" t="0" r="r" b="b"/>
-              <a:pathLst>
-                <a:path w="2099" h="2624">
-                  <a:moveTo>
-                    <a:pt x="2099" y="2624"/>
-                  </a:moveTo>
-                  <a:lnTo>
-                    <a:pt x="0" y="0"/>
-                  </a:lnTo>
-                  <a:lnTo>
-                    <a:pt x="2021" y="2624"/>
-                  </a:lnTo>
-                  <a:lnTo>
-                    <a:pt x="2099" y="2624"/>
-                  </a:lnTo>
-                  <a:close/>
-                </a:path>
-              </a:pathLst>
-            </a:custGeom>
-            <a:solidFill>
-              <a:schemeClr val="accent1">
-                <a:lumMod val="50000"/>
-              </a:schemeClr>
-            </a:solidFill>
-            <a:ln>
-              <a:noFill/>
-            </a:ln>
-          </p:spPr>
-        </p:sp>
-        <p:sp>
-          <p:nvSpPr>
-            <p:cNvPr id="16" name="Freeform 11">
-              <a:extLst>
-                <a:ext uri="{FF2B5EF4-FFF2-40B4-BE49-F238E27FC236}">
-                  <a16:creationId xmlns:a16="http://schemas.microsoft.com/office/drawing/2014/main" id="{A9964935-0316-4743-BD2E-35B86AF480C4}"/>
-                </a:ext>
-                <a:ext uri="{C183D7F6-B498-43B3-948B-1728B52AA6E4}">
-                  <adec:decorative xmlns:adec="http://schemas.microsoft.com/office/drawing/2017/decorative" val="1"/>
-                </a:ext>
-              </a:extLst>
-            </p:cNvPr>
-            <p:cNvSpPr/>
-            <p:nvPr>
-              <p:extLst>
-                <p:ext uri="{386F3935-93C4-4BCD-93E2-E3B085C9AB24}">
-                  <p16:designElem xmlns:p16="http://schemas.microsoft.com/office/powerpoint/2015/main" val="1"/>
-                </p:ext>
-              </p:extLst>
-            </p:nvPr>
-          </p:nvSpPr>
-          <p:spPr bwMode="auto">
-            <a:xfrm>
-              <a:off x="3367088" y="2687637"/>
-              <a:ext cx="4576762" cy="4170363"/>
-            </a:xfrm>
-            <a:custGeom>
-              <a:avLst/>
-              <a:gdLst/>
-              <a:ahLst/>
-              <a:cxnLst/>
-              <a:rect l="0" t="0" r="r" b="b"/>
-              <a:pathLst>
-                <a:path w="2883" h="2627">
-                  <a:moveTo>
-                    <a:pt x="0" y="0"/>
-                  </a:moveTo>
-                  <a:lnTo>
-                    <a:pt x="3" y="3"/>
-                  </a:lnTo>
-                  <a:lnTo>
-                    <a:pt x="2102" y="2627"/>
-                  </a:lnTo>
-                  <a:lnTo>
-                    <a:pt x="2883" y="2627"/>
-                  </a:lnTo>
-                  <a:lnTo>
-                    <a:pt x="225" y="57"/>
-                  </a:lnTo>
-                  <a:lnTo>
-                    <a:pt x="0" y="0"/>
-                  </a:lnTo>
-                  <a:close/>
-                </a:path>
-              </a:pathLst>
-            </a:custGeom>
-            <a:solidFill>
-              <a:schemeClr val="accent1">
-                <a:lumMod val="75000"/>
-              </a:schemeClr>
-            </a:solidFill>
-            <a:ln>
-              <a:noFill/>
-            </a:ln>
-          </p:spPr>
-        </p:sp>
-        <p:sp>
-          <p:nvSpPr>
-            <p:cNvPr id="17" name="Freeform 12">
-              <a:extLst>
-                <a:ext uri="{FF2B5EF4-FFF2-40B4-BE49-F238E27FC236}">
-                  <a16:creationId xmlns:a16="http://schemas.microsoft.com/office/drawing/2014/main" id="{2B20A700-1547-48D5-AA6F-C1473539C70F}"/>
-                </a:ext>
-                <a:ext uri="{C183D7F6-B498-43B3-948B-1728B52AA6E4}">
-                  <adec:decorative xmlns:adec="http://schemas.microsoft.com/office/drawing/2017/decorative" val="1"/>
-                </a:ext>
-              </a:extLst>
-            </p:cNvPr>
-            <p:cNvSpPr/>
-            <p:nvPr>
-              <p:extLst>
-                <p:ext uri="{386F3935-93C4-4BCD-93E2-E3B085C9AB24}">
-                  <p16:designElem xmlns:p16="http://schemas.microsoft.com/office/powerpoint/2015/main" val="1"/>
-                </p:ext>
-              </p:extLst>
-            </p:nvPr>
-          </p:nvSpPr>
-          <p:spPr bwMode="auto">
-            <a:xfrm>
-              <a:off x="2928938" y="2578100"/>
-              <a:ext cx="3584575" cy="4279900"/>
-            </a:xfrm>
-            <a:custGeom>
-              <a:avLst/>
-              <a:gdLst/>
-              <a:ahLst/>
-              <a:cxnLst/>
-              <a:rect l="0" t="0" r="r" b="b"/>
-              <a:pathLst>
-                <a:path w="2258" h="2696">
-                  <a:moveTo>
-                    <a:pt x="2258" y="2696"/>
-                  </a:moveTo>
-                  <a:lnTo>
-                    <a:pt x="264" y="111"/>
-                  </a:lnTo>
-                  <a:lnTo>
-                    <a:pt x="228" y="60"/>
-                  </a:lnTo>
-                  <a:lnTo>
-                    <a:pt x="225" y="57"/>
-                  </a:lnTo>
-                  <a:lnTo>
-                    <a:pt x="0" y="0"/>
-                  </a:lnTo>
-                  <a:lnTo>
-                    <a:pt x="0" y="3"/>
-                  </a:lnTo>
-                  <a:lnTo>
-                    <a:pt x="1697" y="2696"/>
-                  </a:lnTo>
-                  <a:lnTo>
-                    <a:pt x="2258" y="2696"/>
-                  </a:lnTo>
-                  <a:close/>
-                </a:path>
-              </a:pathLst>
-            </a:custGeom>
-            <a:solidFill>
-              <a:schemeClr val="tx1">
-                <a:lumMod val="75000"/>
-                <a:lumOff val="25000"/>
-              </a:schemeClr>
-            </a:solidFill>
-            <a:ln>
-              <a:noFill/>
-            </a:ln>
-          </p:spPr>
-        </p:sp>
-      </p:grpSp>
-      <p:sp useBgFill="1">
-        <p:nvSpPr>
-          <p:cNvPr id="32" name="Rectangle 18">
-            <a:extLst>
-              <a:ext uri="{FF2B5EF4-FFF2-40B4-BE49-F238E27FC236}">
-                <a16:creationId xmlns:a16="http://schemas.microsoft.com/office/drawing/2014/main" id="{573F9D11-20BD-4755-B131-A5F531520EC5}"/>
+                <a16:creationId xmlns:a16="http://schemas.microsoft.com/office/drawing/2014/main" id="{68375697-2869-412A-AEB4-B32967993B67}"/>
               </a:ext>
               <a:ext uri="{C183D7F6-B498-43B3-948B-1728B52AA6E4}">
                 <adec:decorative xmlns:adec="http://schemas.microsoft.com/office/drawing/2017/decorative" val="1"/>
@@ -9639,190 +9224,25 @@
         </p:nvPicPr>
         <p:blipFill rotWithShape="1">
           <a:blip r:embed="rId3"/>
-          <a:srcRect t="15730"/>
+          <a:srcRect l="36421" t="9091" r="21758"/>
           <a:stretch/>
         </p:blipFill>
         <p:spPr>
           <a:xfrm>
-            <a:off x="20" y="10"/>
-            <a:ext cx="12191980" cy="6857990"/>
+            <a:off x="0" y="10"/>
+            <a:ext cx="4726526" cy="6857990"/>
           </a:xfrm>
           <a:prstGeom prst="rect">
             <a:avLst/>
           </a:prstGeom>
         </p:spPr>
       </p:pic>
-      <p:sp>
-        <p:nvSpPr>
-          <p:cNvPr id="34" name="Freeform 13">
+      <p:grpSp>
+        <p:nvGrpSpPr>
+          <p:cNvPr id="42" name="Group 41">
             <a:extLst>
               <a:ext uri="{FF2B5EF4-FFF2-40B4-BE49-F238E27FC236}">
-                <a16:creationId xmlns:a16="http://schemas.microsoft.com/office/drawing/2014/main" id="{8EB90C4A-98AE-4031-9ED8-4063AF8985A6}"/>
-              </a:ext>
-              <a:ext uri="{C183D7F6-B498-43B3-948B-1728B52AA6E4}">
-                <adec:decorative xmlns:adec="http://schemas.microsoft.com/office/drawing/2017/decorative" val="1"/>
-              </a:ext>
-            </a:extLst>
-          </p:cNvPr>
-          <p:cNvSpPr>
-            <a:spLocks noGrp="1" noRot="1" noChangeAspect="1" noMove="1" noResize="1" noEditPoints="1" noAdjustHandles="1" noChangeArrowheads="1" noChangeShapeType="1" noTextEdit="1"/>
-          </p:cNvSpPr>
-          <p:nvPr>
-            <p:extLst>
-              <p:ext uri="{386F3935-93C4-4BCD-93E2-E3B085C9AB24}">
-                <p16:designElem xmlns:p16="http://schemas.microsoft.com/office/powerpoint/2015/main" val="1"/>
-              </p:ext>
-            </p:extLst>
-          </p:nvPr>
-        </p:nvSpPr>
-        <p:spPr bwMode="white">
-          <a:xfrm>
-            <a:off x="-16933" y="-16933"/>
-            <a:ext cx="7340600" cy="6883400"/>
-          </a:xfrm>
-          <a:custGeom>
-            <a:avLst/>
-            <a:gdLst>
-              <a:gd name="connsiteX0" fmla="*/ 5427133 w 7340600"/>
-              <a:gd name="connsiteY0" fmla="*/ 8466 h 6883400"/>
-              <a:gd name="connsiteX1" fmla="*/ 4783666 w 7340600"/>
-              <a:gd name="connsiteY1" fmla="*/ 2573866 h 6883400"/>
-              <a:gd name="connsiteX2" fmla="*/ 7340600 w 7340600"/>
-              <a:gd name="connsiteY2" fmla="*/ 6874933 h 6883400"/>
-              <a:gd name="connsiteX3" fmla="*/ 0 w 7340600"/>
-              <a:gd name="connsiteY3" fmla="*/ 6883400 h 6883400"/>
-              <a:gd name="connsiteX4" fmla="*/ 8466 w 7340600"/>
-              <a:gd name="connsiteY4" fmla="*/ 0 h 6883400"/>
-              <a:gd name="connsiteX5" fmla="*/ 5427133 w 7340600"/>
-              <a:gd name="connsiteY5" fmla="*/ 8466 h 6883400"/>
-            </a:gdLst>
-            <a:ahLst/>
-            <a:cxnLst>
-              <a:cxn ang="0">
-                <a:pos x="connsiteX0" y="connsiteY0"/>
-              </a:cxn>
-              <a:cxn ang="0">
-                <a:pos x="connsiteX1" y="connsiteY1"/>
-              </a:cxn>
-              <a:cxn ang="0">
-                <a:pos x="connsiteX2" y="connsiteY2"/>
-              </a:cxn>
-              <a:cxn ang="0">
-                <a:pos x="connsiteX3" y="connsiteY3"/>
-              </a:cxn>
-              <a:cxn ang="0">
-                <a:pos x="connsiteX4" y="connsiteY4"/>
-              </a:cxn>
-              <a:cxn ang="0">
-                <a:pos x="connsiteX5" y="connsiteY5"/>
-              </a:cxn>
-            </a:cxnLst>
-            <a:rect l="l" t="t" r="r" b="b"/>
-            <a:pathLst>
-              <a:path w="7340600" h="6883400">
-                <a:moveTo>
-                  <a:pt x="5427133" y="8466"/>
-                </a:moveTo>
-                <a:lnTo>
-                  <a:pt x="4783666" y="2573866"/>
-                </a:lnTo>
-                <a:lnTo>
-                  <a:pt x="7340600" y="6874933"/>
-                </a:lnTo>
-                <a:lnTo>
-                  <a:pt x="0" y="6883400"/>
-                </a:lnTo>
-                <a:lnTo>
-                  <a:pt x="8466" y="0"/>
-                </a:lnTo>
-                <a:lnTo>
-                  <a:pt x="5427133" y="8466"/>
-                </a:lnTo>
-                <a:close/>
-              </a:path>
-            </a:pathLst>
-          </a:custGeom>
-          <a:solidFill>
-            <a:schemeClr val="tx1">
-              <a:lumMod val="95000"/>
-              <a:lumOff val="5000"/>
-              <a:alpha val="80000"/>
-            </a:schemeClr>
-          </a:solidFill>
-          <a:ln>
-            <a:noFill/>
-          </a:ln>
-          <a:effectLst/>
-        </p:spPr>
-        <p:style>
-          <a:lnRef idx="1">
-            <a:schemeClr val="accent1"/>
-          </a:lnRef>
-          <a:fillRef idx="3">
-            <a:schemeClr val="accent1"/>
-          </a:fillRef>
-          <a:effectRef idx="2">
-            <a:schemeClr val="accent1"/>
-          </a:effectRef>
-          <a:fontRef idx="minor">
-            <a:schemeClr val="lt1"/>
-          </a:fontRef>
-        </p:style>
-        <p:txBody>
-          <a:bodyPr rtlCol="0" anchor="ctr"/>
-          <a:lstStyle/>
-          <a:p>
-            <a:pPr algn="ctr"/>
-            <a:endParaRPr lang="en-US"/>
-          </a:p>
-        </p:txBody>
-      </p:sp>
-      <p:sp>
-        <p:nvSpPr>
-          <p:cNvPr id="4" name="Title 3">
-            <a:extLst>
-              <a:ext uri="{FF2B5EF4-FFF2-40B4-BE49-F238E27FC236}">
-                <a16:creationId xmlns:a16="http://schemas.microsoft.com/office/drawing/2014/main" id="{77AC2CBC-E212-4304-B094-D52C4B7FDF24}"/>
-              </a:ext>
-            </a:extLst>
-          </p:cNvPr>
-          <p:cNvSpPr>
-            <a:spLocks noGrp="1"/>
-          </p:cNvSpPr>
-          <p:nvPr>
-            <p:ph type="title"/>
-          </p:nvPr>
-        </p:nvSpPr>
-        <p:spPr>
-          <a:xfrm>
-            <a:off x="685800" y="1634067"/>
-            <a:ext cx="4080932" cy="3310468"/>
-          </a:xfrm>
-        </p:spPr>
-        <p:txBody>
-          <a:bodyPr vert="horz" lIns="91440" tIns="45720" rIns="91440" bIns="45720" rtlCol="0" anchor="b">
-            <a:normAutofit/>
-          </a:bodyPr>
-          <a:lstStyle/>
-          <a:p>
-            <a:pPr algn="l"/>
-            <a:r>
-              <a:rPr lang="en-US" sz="5400">
-                <a:solidFill>
-                  <a:schemeClr val="bg1"/>
-                </a:solidFill>
-              </a:rPr>
-              <a:t>References</a:t>
-            </a:r>
-          </a:p>
-        </p:txBody>
-      </p:sp>
-      <p:grpSp>
-        <p:nvGrpSpPr>
-          <p:cNvPr id="35" name="Group 22">
-            <a:extLst>
-              <a:ext uri="{FF2B5EF4-FFF2-40B4-BE49-F238E27FC236}">
-                <a16:creationId xmlns:a16="http://schemas.microsoft.com/office/drawing/2014/main" id="{D763F840-D9FC-4A00-AD5E-A92B1469D253}"/>
+                <a16:creationId xmlns:a16="http://schemas.microsoft.com/office/drawing/2014/main" id="{2DE9E2D4-C94D-4382-BD75-9A451C3DC7F7}"/>
               </a:ext>
               <a:ext uri="{C183D7F6-B498-43B3-948B-1728B52AA6E4}">
                 <adec:decorative xmlns:adec="http://schemas.microsoft.com/office/drawing/2017/decorative" val="1"/>
@@ -9842,18 +9262,708 @@
         </p:nvGrpSpPr>
         <p:grpSpPr>
           <a:xfrm>
-            <a:off x="4864100" y="-4763"/>
-            <a:ext cx="5014912" cy="6862763"/>
-            <a:chOff x="2928938" y="-4763"/>
-            <a:chExt cx="5014912" cy="6862763"/>
+            <a:off x="2290265" y="-12875"/>
+            <a:ext cx="2604396" cy="6890194"/>
+            <a:chOff x="2199787" y="-12875"/>
+            <a:chExt cx="2679011" cy="6890194"/>
+          </a:xfrm>
+        </p:grpSpPr>
+        <p:sp useBgFill="1">
+          <p:nvSpPr>
+            <p:cNvPr id="43" name="Rectangle 19">
+              <a:extLst>
+                <a:ext uri="{FF2B5EF4-FFF2-40B4-BE49-F238E27FC236}">
+                  <a16:creationId xmlns:a16="http://schemas.microsoft.com/office/drawing/2014/main" id="{8348A120-519A-4F2A-BE9F-C1CC48B1090C}"/>
+                </a:ext>
+                <a:ext uri="{C183D7F6-B498-43B3-948B-1728B52AA6E4}">
+                  <adec:decorative xmlns:adec="http://schemas.microsoft.com/office/drawing/2017/decorative" val="1"/>
+                </a:ext>
+              </a:extLst>
+            </p:cNvPr>
+            <p:cNvSpPr/>
+            <p:nvPr>
+              <p:extLst>
+                <p:ext uri="{386F3935-93C4-4BCD-93E2-E3B085C9AB24}">
+                  <p16:designElem xmlns:p16="http://schemas.microsoft.com/office/powerpoint/2015/main" val="1"/>
+                </p:ext>
+              </p:extLst>
+            </p:nvPr>
+          </p:nvSpPr>
+          <p:spPr bwMode="white">
+            <a:xfrm>
+              <a:off x="2199787" y="-12875"/>
+              <a:ext cx="2679011" cy="5301468"/>
+            </a:xfrm>
+            <a:custGeom>
+              <a:avLst/>
+              <a:gdLst>
+                <a:gd name="connsiteX0" fmla="*/ 0 w 2570017"/>
+                <a:gd name="connsiteY0" fmla="*/ 0 h 2554287"/>
+                <a:gd name="connsiteX1" fmla="*/ 2570017 w 2570017"/>
+                <a:gd name="connsiteY1" fmla="*/ 0 h 2554287"/>
+                <a:gd name="connsiteX2" fmla="*/ 2570017 w 2570017"/>
+                <a:gd name="connsiteY2" fmla="*/ 2554287 h 2554287"/>
+                <a:gd name="connsiteX3" fmla="*/ 0 w 2570017"/>
+                <a:gd name="connsiteY3" fmla="*/ 2554287 h 2554287"/>
+                <a:gd name="connsiteX4" fmla="*/ 0 w 2570017"/>
+                <a:gd name="connsiteY4" fmla="*/ 0 h 2554287"/>
+                <a:gd name="connsiteX0" fmla="*/ 904009 w 2570017"/>
+                <a:gd name="connsiteY0" fmla="*/ 0 h 2554287"/>
+                <a:gd name="connsiteX1" fmla="*/ 2570017 w 2570017"/>
+                <a:gd name="connsiteY1" fmla="*/ 0 h 2554287"/>
+                <a:gd name="connsiteX2" fmla="*/ 2570017 w 2570017"/>
+                <a:gd name="connsiteY2" fmla="*/ 2554287 h 2554287"/>
+                <a:gd name="connsiteX3" fmla="*/ 0 w 2570017"/>
+                <a:gd name="connsiteY3" fmla="*/ 2554287 h 2554287"/>
+                <a:gd name="connsiteX4" fmla="*/ 904009 w 2570017"/>
+                <a:gd name="connsiteY4" fmla="*/ 0 h 2554287"/>
+                <a:gd name="connsiteX0" fmla="*/ 644236 w 2570017"/>
+                <a:gd name="connsiteY0" fmla="*/ 10391 h 2554287"/>
+                <a:gd name="connsiteX1" fmla="*/ 2570017 w 2570017"/>
+                <a:gd name="connsiteY1" fmla="*/ 0 h 2554287"/>
+                <a:gd name="connsiteX2" fmla="*/ 2570017 w 2570017"/>
+                <a:gd name="connsiteY2" fmla="*/ 2554287 h 2554287"/>
+                <a:gd name="connsiteX3" fmla="*/ 0 w 2570017"/>
+                <a:gd name="connsiteY3" fmla="*/ 2554287 h 2554287"/>
+                <a:gd name="connsiteX4" fmla="*/ 644236 w 2570017"/>
+                <a:gd name="connsiteY4" fmla="*/ 10391 h 2554287"/>
+                <a:gd name="connsiteX0" fmla="*/ 633845 w 2570017"/>
+                <a:gd name="connsiteY0" fmla="*/ 0 h 2554287"/>
+                <a:gd name="connsiteX1" fmla="*/ 2570017 w 2570017"/>
+                <a:gd name="connsiteY1" fmla="*/ 0 h 2554287"/>
+                <a:gd name="connsiteX2" fmla="*/ 2570017 w 2570017"/>
+                <a:gd name="connsiteY2" fmla="*/ 2554287 h 2554287"/>
+                <a:gd name="connsiteX3" fmla="*/ 0 w 2570017"/>
+                <a:gd name="connsiteY3" fmla="*/ 2554287 h 2554287"/>
+                <a:gd name="connsiteX4" fmla="*/ 633845 w 2570017"/>
+                <a:gd name="connsiteY4" fmla="*/ 0 h 2554287"/>
+                <a:gd name="connsiteX0" fmla="*/ 675409 w 2611581"/>
+                <a:gd name="connsiteY0" fmla="*/ 0 h 2554287"/>
+                <a:gd name="connsiteX1" fmla="*/ 2611581 w 2611581"/>
+                <a:gd name="connsiteY1" fmla="*/ 0 h 2554287"/>
+                <a:gd name="connsiteX2" fmla="*/ 2611581 w 2611581"/>
+                <a:gd name="connsiteY2" fmla="*/ 2554287 h 2554287"/>
+                <a:gd name="connsiteX3" fmla="*/ 0 w 2611581"/>
+                <a:gd name="connsiteY3" fmla="*/ 2554287 h 2554287"/>
+                <a:gd name="connsiteX4" fmla="*/ 675409 w 2611581"/>
+                <a:gd name="connsiteY4" fmla="*/ 0 h 2554287"/>
+                <a:gd name="connsiteX0" fmla="*/ 650979 w 2587151"/>
+                <a:gd name="connsiteY0" fmla="*/ 0 h 2554287"/>
+                <a:gd name="connsiteX1" fmla="*/ 2587151 w 2587151"/>
+                <a:gd name="connsiteY1" fmla="*/ 0 h 2554287"/>
+                <a:gd name="connsiteX2" fmla="*/ 2587151 w 2587151"/>
+                <a:gd name="connsiteY2" fmla="*/ 2554287 h 2554287"/>
+                <a:gd name="connsiteX3" fmla="*/ 0 w 2587151"/>
+                <a:gd name="connsiteY3" fmla="*/ 2548595 h 2554287"/>
+                <a:gd name="connsiteX4" fmla="*/ 650979 w 2587151"/>
+                <a:gd name="connsiteY4" fmla="*/ 0 h 2554287"/>
+                <a:gd name="connsiteX0" fmla="*/ 730379 w 2587151"/>
+                <a:gd name="connsiteY0" fmla="*/ 5692 h 2554287"/>
+                <a:gd name="connsiteX1" fmla="*/ 2587151 w 2587151"/>
+                <a:gd name="connsiteY1" fmla="*/ 0 h 2554287"/>
+                <a:gd name="connsiteX2" fmla="*/ 2587151 w 2587151"/>
+                <a:gd name="connsiteY2" fmla="*/ 2554287 h 2554287"/>
+                <a:gd name="connsiteX3" fmla="*/ 0 w 2587151"/>
+                <a:gd name="connsiteY3" fmla="*/ 2548595 h 2554287"/>
+                <a:gd name="connsiteX4" fmla="*/ 730379 w 2587151"/>
+                <a:gd name="connsiteY4" fmla="*/ 5692 h 2554287"/>
+                <a:gd name="connsiteX0" fmla="*/ 864750 w 2587151"/>
+                <a:gd name="connsiteY0" fmla="*/ 2847 h 2554287"/>
+                <a:gd name="connsiteX1" fmla="*/ 2587151 w 2587151"/>
+                <a:gd name="connsiteY1" fmla="*/ 0 h 2554287"/>
+                <a:gd name="connsiteX2" fmla="*/ 2587151 w 2587151"/>
+                <a:gd name="connsiteY2" fmla="*/ 2554287 h 2554287"/>
+                <a:gd name="connsiteX3" fmla="*/ 0 w 2587151"/>
+                <a:gd name="connsiteY3" fmla="*/ 2548595 h 2554287"/>
+                <a:gd name="connsiteX4" fmla="*/ 864750 w 2587151"/>
+                <a:gd name="connsiteY4" fmla="*/ 2847 h 2554287"/>
+                <a:gd name="connsiteX0" fmla="*/ 883073 w 2587151"/>
+                <a:gd name="connsiteY0" fmla="*/ 1 h 2554287"/>
+                <a:gd name="connsiteX1" fmla="*/ 2587151 w 2587151"/>
+                <a:gd name="connsiteY1" fmla="*/ 0 h 2554287"/>
+                <a:gd name="connsiteX2" fmla="*/ 2587151 w 2587151"/>
+                <a:gd name="connsiteY2" fmla="*/ 2554287 h 2554287"/>
+                <a:gd name="connsiteX3" fmla="*/ 0 w 2587151"/>
+                <a:gd name="connsiteY3" fmla="*/ 2548595 h 2554287"/>
+                <a:gd name="connsiteX4" fmla="*/ 883073 w 2587151"/>
+                <a:gd name="connsiteY4" fmla="*/ 1 h 2554287"/>
+                <a:gd name="connsiteX0" fmla="*/ 895288 w 2599366"/>
+                <a:gd name="connsiteY0" fmla="*/ 1 h 2554287"/>
+                <a:gd name="connsiteX1" fmla="*/ 2599366 w 2599366"/>
+                <a:gd name="connsiteY1" fmla="*/ 0 h 2554287"/>
+                <a:gd name="connsiteX2" fmla="*/ 2599366 w 2599366"/>
+                <a:gd name="connsiteY2" fmla="*/ 2554287 h 2554287"/>
+                <a:gd name="connsiteX3" fmla="*/ 0 w 2599366"/>
+                <a:gd name="connsiteY3" fmla="*/ 2542904 h 2554287"/>
+                <a:gd name="connsiteX4" fmla="*/ 895288 w 2599366"/>
+                <a:gd name="connsiteY4" fmla="*/ 1 h 2554287"/>
+                <a:gd name="connsiteX0" fmla="*/ 895288 w 2599366"/>
+                <a:gd name="connsiteY0" fmla="*/ 1 h 2554287"/>
+                <a:gd name="connsiteX1" fmla="*/ 2599366 w 2599366"/>
+                <a:gd name="connsiteY1" fmla="*/ 0 h 2554287"/>
+                <a:gd name="connsiteX2" fmla="*/ 2599366 w 2599366"/>
+                <a:gd name="connsiteY2" fmla="*/ 2554287 h 2554287"/>
+                <a:gd name="connsiteX3" fmla="*/ 0 w 2599366"/>
+                <a:gd name="connsiteY3" fmla="*/ 2542904 h 2554287"/>
+                <a:gd name="connsiteX4" fmla="*/ 895288 w 2599366"/>
+                <a:gd name="connsiteY4" fmla="*/ 1 h 2554287"/>
+                <a:gd name="connsiteX0" fmla="*/ 895288 w 2611581"/>
+                <a:gd name="connsiteY0" fmla="*/ 1 h 2565670"/>
+                <a:gd name="connsiteX1" fmla="*/ 2599366 w 2611581"/>
+                <a:gd name="connsiteY1" fmla="*/ 0 h 2565670"/>
+                <a:gd name="connsiteX2" fmla="*/ 2611581 w 2611581"/>
+                <a:gd name="connsiteY2" fmla="*/ 2565670 h 2565670"/>
+                <a:gd name="connsiteX3" fmla="*/ 0 w 2611581"/>
+                <a:gd name="connsiteY3" fmla="*/ 2542904 h 2565670"/>
+                <a:gd name="connsiteX4" fmla="*/ 895288 w 2611581"/>
+                <a:gd name="connsiteY4" fmla="*/ 1 h 2565670"/>
+                <a:gd name="connsiteX0" fmla="*/ 895288 w 2611581"/>
+                <a:gd name="connsiteY0" fmla="*/ 1 h 2565670"/>
+                <a:gd name="connsiteX1" fmla="*/ 2599366 w 2611581"/>
+                <a:gd name="connsiteY1" fmla="*/ 0 h 2565670"/>
+                <a:gd name="connsiteX2" fmla="*/ 2611581 w 2611581"/>
+                <a:gd name="connsiteY2" fmla="*/ 2565670 h 2565670"/>
+                <a:gd name="connsiteX3" fmla="*/ 0 w 2611581"/>
+                <a:gd name="connsiteY3" fmla="*/ 2542904 h 2565670"/>
+                <a:gd name="connsiteX4" fmla="*/ 895288 w 2611581"/>
+                <a:gd name="connsiteY4" fmla="*/ 1 h 2565670"/>
+                <a:gd name="connsiteX0" fmla="*/ 895288 w 2611581"/>
+                <a:gd name="connsiteY0" fmla="*/ 1 h 2565670"/>
+                <a:gd name="connsiteX1" fmla="*/ 2599366 w 2611581"/>
+                <a:gd name="connsiteY1" fmla="*/ 0 h 2565670"/>
+                <a:gd name="connsiteX2" fmla="*/ 2611581 w 2611581"/>
+                <a:gd name="connsiteY2" fmla="*/ 2565670 h 2565670"/>
+                <a:gd name="connsiteX3" fmla="*/ 0 w 2611581"/>
+                <a:gd name="connsiteY3" fmla="*/ 2545750 h 2565670"/>
+                <a:gd name="connsiteX4" fmla="*/ 895288 w 2611581"/>
+                <a:gd name="connsiteY4" fmla="*/ 1 h 2565670"/>
+                <a:gd name="connsiteX0" fmla="*/ 1544433 w 3260726"/>
+                <a:gd name="connsiteY0" fmla="*/ 1 h 2565670"/>
+                <a:gd name="connsiteX1" fmla="*/ 3248511 w 3260726"/>
+                <a:gd name="connsiteY1" fmla="*/ 0 h 2565670"/>
+                <a:gd name="connsiteX2" fmla="*/ 3260726 w 3260726"/>
+                <a:gd name="connsiteY2" fmla="*/ 2565670 h 2565670"/>
+                <a:gd name="connsiteX3" fmla="*/ 0 w 3260726"/>
+                <a:gd name="connsiteY3" fmla="*/ 2521058 h 2565670"/>
+                <a:gd name="connsiteX4" fmla="*/ 1544433 w 3260726"/>
+                <a:gd name="connsiteY4" fmla="*/ 1 h 2565670"/>
+                <a:gd name="connsiteX0" fmla="*/ 921784 w 3260726"/>
+                <a:gd name="connsiteY0" fmla="*/ 12347 h 2565670"/>
+                <a:gd name="connsiteX1" fmla="*/ 3248511 w 3260726"/>
+                <a:gd name="connsiteY1" fmla="*/ 0 h 2565670"/>
+                <a:gd name="connsiteX2" fmla="*/ 3260726 w 3260726"/>
+                <a:gd name="connsiteY2" fmla="*/ 2565670 h 2565670"/>
+                <a:gd name="connsiteX3" fmla="*/ 0 w 3260726"/>
+                <a:gd name="connsiteY3" fmla="*/ 2521058 h 2565670"/>
+                <a:gd name="connsiteX4" fmla="*/ 921784 w 3260726"/>
+                <a:gd name="connsiteY4" fmla="*/ 12347 h 2565670"/>
+                <a:gd name="connsiteX0" fmla="*/ 921784 w 3260726"/>
+                <a:gd name="connsiteY0" fmla="*/ 12347 h 2565670"/>
+                <a:gd name="connsiteX1" fmla="*/ 2321160 w 3260726"/>
+                <a:gd name="connsiteY1" fmla="*/ 0 h 2565670"/>
+                <a:gd name="connsiteX2" fmla="*/ 3260726 w 3260726"/>
+                <a:gd name="connsiteY2" fmla="*/ 2565670 h 2565670"/>
+                <a:gd name="connsiteX3" fmla="*/ 0 w 3260726"/>
+                <a:gd name="connsiteY3" fmla="*/ 2521058 h 2565670"/>
+                <a:gd name="connsiteX4" fmla="*/ 921784 w 3260726"/>
+                <a:gd name="connsiteY4" fmla="*/ 12347 h 2565670"/>
+                <a:gd name="connsiteX0" fmla="*/ 921784 w 2322228"/>
+                <a:gd name="connsiteY0" fmla="*/ 12347 h 2565670"/>
+                <a:gd name="connsiteX1" fmla="*/ 2321160 w 2322228"/>
+                <a:gd name="connsiteY1" fmla="*/ 0 h 2565670"/>
+                <a:gd name="connsiteX2" fmla="*/ 2320129 w 2322228"/>
+                <a:gd name="connsiteY2" fmla="*/ 2565670 h 2565670"/>
+                <a:gd name="connsiteX3" fmla="*/ 0 w 2322228"/>
+                <a:gd name="connsiteY3" fmla="*/ 2521058 h 2565670"/>
+                <a:gd name="connsiteX4" fmla="*/ 921784 w 2322228"/>
+                <a:gd name="connsiteY4" fmla="*/ 12347 h 2565670"/>
+                <a:gd name="connsiteX0" fmla="*/ 921784 w 2322228"/>
+                <a:gd name="connsiteY0" fmla="*/ 0 h 2571841"/>
+                <a:gd name="connsiteX1" fmla="*/ 2321160 w 2322228"/>
+                <a:gd name="connsiteY1" fmla="*/ 6171 h 2571841"/>
+                <a:gd name="connsiteX2" fmla="*/ 2320129 w 2322228"/>
+                <a:gd name="connsiteY2" fmla="*/ 2571841 h 2571841"/>
+                <a:gd name="connsiteX3" fmla="*/ 0 w 2322228"/>
+                <a:gd name="connsiteY3" fmla="*/ 2527229 h 2571841"/>
+                <a:gd name="connsiteX4" fmla="*/ 921784 w 2322228"/>
+                <a:gd name="connsiteY4" fmla="*/ 0 h 2571841"/>
+                <a:gd name="connsiteX0" fmla="*/ 921784 w 2611583"/>
+                <a:gd name="connsiteY0" fmla="*/ 0 h 2540977"/>
+                <a:gd name="connsiteX1" fmla="*/ 2321160 w 2611583"/>
+                <a:gd name="connsiteY1" fmla="*/ 6171 h 2540977"/>
+                <a:gd name="connsiteX2" fmla="*/ 2611583 w 2611583"/>
+                <a:gd name="connsiteY2" fmla="*/ 2540977 h 2540977"/>
+                <a:gd name="connsiteX3" fmla="*/ 0 w 2611583"/>
+                <a:gd name="connsiteY3" fmla="*/ 2527229 h 2540977"/>
+                <a:gd name="connsiteX4" fmla="*/ 921784 w 2611583"/>
+                <a:gd name="connsiteY4" fmla="*/ 0 h 2540977"/>
+                <a:gd name="connsiteX0" fmla="*/ 921784 w 2611583"/>
+                <a:gd name="connsiteY0" fmla="*/ 2 h 2540979"/>
+                <a:gd name="connsiteX1" fmla="*/ 2572870 w 2611583"/>
+                <a:gd name="connsiteY1" fmla="*/ 0 h 2540979"/>
+                <a:gd name="connsiteX2" fmla="*/ 2611583 w 2611583"/>
+                <a:gd name="connsiteY2" fmla="*/ 2540979 h 2540979"/>
+                <a:gd name="connsiteX3" fmla="*/ 0 w 2611583"/>
+                <a:gd name="connsiteY3" fmla="*/ 2527231 h 2540979"/>
+                <a:gd name="connsiteX4" fmla="*/ 921784 w 2611583"/>
+                <a:gd name="connsiteY4" fmla="*/ 2 h 2540979"/>
+                <a:gd name="connsiteX0" fmla="*/ 921784 w 2705467"/>
+                <a:gd name="connsiteY0" fmla="*/ 0 h 2540977"/>
+                <a:gd name="connsiteX1" fmla="*/ 2705349 w 2705467"/>
+                <a:gd name="connsiteY1" fmla="*/ 6171 h 2540977"/>
+                <a:gd name="connsiteX2" fmla="*/ 2611583 w 2705467"/>
+                <a:gd name="connsiteY2" fmla="*/ 2540977 h 2540977"/>
+                <a:gd name="connsiteX3" fmla="*/ 0 w 2705467"/>
+                <a:gd name="connsiteY3" fmla="*/ 2527229 h 2540977"/>
+                <a:gd name="connsiteX4" fmla="*/ 921784 w 2705467"/>
+                <a:gd name="connsiteY4" fmla="*/ 0 h 2540977"/>
+                <a:gd name="connsiteX0" fmla="*/ 921784 w 2718702"/>
+                <a:gd name="connsiteY0" fmla="*/ 2 h 2540979"/>
+                <a:gd name="connsiteX1" fmla="*/ 2718597 w 2718702"/>
+                <a:gd name="connsiteY1" fmla="*/ 0 h 2540979"/>
+                <a:gd name="connsiteX2" fmla="*/ 2611583 w 2718702"/>
+                <a:gd name="connsiteY2" fmla="*/ 2540979 h 2540979"/>
+                <a:gd name="connsiteX3" fmla="*/ 0 w 2718702"/>
+                <a:gd name="connsiteY3" fmla="*/ 2527231 h 2540979"/>
+                <a:gd name="connsiteX4" fmla="*/ 921784 w 2718702"/>
+                <a:gd name="connsiteY4" fmla="*/ 2 h 2540979"/>
+                <a:gd name="connsiteX0" fmla="*/ 921784 w 2679012"/>
+                <a:gd name="connsiteY0" fmla="*/ 0 h 2540977"/>
+                <a:gd name="connsiteX1" fmla="*/ 2678853 w 2679012"/>
+                <a:gd name="connsiteY1" fmla="*/ 6171 h 2540977"/>
+                <a:gd name="connsiteX2" fmla="*/ 2611583 w 2679012"/>
+                <a:gd name="connsiteY2" fmla="*/ 2540977 h 2540977"/>
+                <a:gd name="connsiteX3" fmla="*/ 0 w 2679012"/>
+                <a:gd name="connsiteY3" fmla="*/ 2527229 h 2540977"/>
+                <a:gd name="connsiteX4" fmla="*/ 921784 w 2679012"/>
+                <a:gd name="connsiteY4" fmla="*/ 0 h 2540977"/>
+              </a:gdLst>
+              <a:ahLst/>
+              <a:cxnLst>
+                <a:cxn ang="0">
+                  <a:pos x="connsiteX0" y="connsiteY0"/>
+                </a:cxn>
+                <a:cxn ang="0">
+                  <a:pos x="connsiteX1" y="connsiteY1"/>
+                </a:cxn>
+                <a:cxn ang="0">
+                  <a:pos x="connsiteX2" y="connsiteY2"/>
+                </a:cxn>
+                <a:cxn ang="0">
+                  <a:pos x="connsiteX3" y="connsiteY3"/>
+                </a:cxn>
+                <a:cxn ang="0">
+                  <a:pos x="connsiteX4" y="connsiteY4"/>
+                </a:cxn>
+              </a:cxnLst>
+              <a:rect l="l" t="t" r="r" b="b"/>
+              <a:pathLst>
+                <a:path w="2679012" h="2540977">
+                  <a:moveTo>
+                    <a:pt x="921784" y="0"/>
+                  </a:moveTo>
+                  <a:lnTo>
+                    <a:pt x="2678853" y="6171"/>
+                  </a:lnTo>
+                  <a:cubicBezTo>
+                    <a:pt x="2682925" y="861394"/>
+                    <a:pt x="2607511" y="1685754"/>
+                    <a:pt x="2611583" y="2540977"/>
+                  </a:cubicBezTo>
+                  <a:lnTo>
+                    <a:pt x="0" y="2527229"/>
+                  </a:lnTo>
+                  <a:lnTo>
+                    <a:pt x="921784" y="0"/>
+                  </a:lnTo>
+                  <a:close/>
+                </a:path>
+              </a:pathLst>
+            </a:custGeom>
+            <a:blipFill rotWithShape="0">
+              <a:blip r:embed="rId2">
+                <a:duotone>
+                  <a:schemeClr val="bg2">
+                    <a:shade val="76000"/>
+                    <a:satMod val="180000"/>
+                  </a:schemeClr>
+                  <a:schemeClr val="bg2">
+                    <a:tint val="80000"/>
+                    <a:satMod val="120000"/>
+                    <a:lumMod val="180000"/>
+                  </a:schemeClr>
+                </a:duotone>
+              </a:blip>
+              <a:stretch>
+                <a:fillRect l="-114598" r="-265621" b="-28686"/>
+              </a:stretch>
+            </a:blipFill>
+            <a:ln>
+              <a:noFill/>
+            </a:ln>
+          </p:spPr>
+          <p:style>
+            <a:lnRef idx="2">
+              <a:schemeClr val="accent1">
+                <a:shade val="50000"/>
+              </a:schemeClr>
+            </a:lnRef>
+            <a:fillRef idx="1">
+              <a:schemeClr val="accent1"/>
+            </a:fillRef>
+            <a:effectRef idx="0">
+              <a:schemeClr val="accent1"/>
+            </a:effectRef>
+            <a:fontRef idx="minor">
+              <a:schemeClr val="lt1"/>
+            </a:fontRef>
+          </p:style>
+          <p:txBody>
+            <a:bodyPr rtlCol="0" anchor="ctr"/>
+            <a:lstStyle/>
+            <a:p>
+              <a:pPr algn="ctr"/>
+              <a:endParaRPr lang="en-US"/>
+            </a:p>
+          </p:txBody>
+        </p:sp>
+        <p:sp useBgFill="1">
+          <p:nvSpPr>
+            <p:cNvPr id="44" name="Rectangle 20">
+              <a:extLst>
+                <a:ext uri="{FF2B5EF4-FFF2-40B4-BE49-F238E27FC236}">
+                  <a16:creationId xmlns:a16="http://schemas.microsoft.com/office/drawing/2014/main" id="{8AE68E3F-5084-4FF1-9164-9A44B19D390C}"/>
+                </a:ext>
+                <a:ext uri="{C183D7F6-B498-43B3-948B-1728B52AA6E4}">
+                  <adec:decorative xmlns:adec="http://schemas.microsoft.com/office/drawing/2017/decorative" val="1"/>
+                </a:ext>
+              </a:extLst>
+            </p:cNvPr>
+            <p:cNvSpPr/>
+            <p:nvPr>
+              <p:extLst>
+                <p:ext uri="{386F3935-93C4-4BCD-93E2-E3B085C9AB24}">
+                  <p16:designElem xmlns:p16="http://schemas.microsoft.com/office/powerpoint/2015/main" val="1"/>
+                </p:ext>
+              </p:extLst>
+            </p:nvPr>
+          </p:nvSpPr>
+          <p:spPr bwMode="white">
+            <a:xfrm>
+              <a:off x="2211875" y="5257482"/>
+              <a:ext cx="2586931" cy="1619837"/>
+            </a:xfrm>
+            <a:custGeom>
+              <a:avLst/>
+              <a:gdLst>
+                <a:gd name="connsiteX0" fmla="*/ 0 w 2611581"/>
+                <a:gd name="connsiteY0" fmla="*/ 0 h 4303713"/>
+                <a:gd name="connsiteX1" fmla="*/ 2611581 w 2611581"/>
+                <a:gd name="connsiteY1" fmla="*/ 0 h 4303713"/>
+                <a:gd name="connsiteX2" fmla="*/ 2611581 w 2611581"/>
+                <a:gd name="connsiteY2" fmla="*/ 4303713 h 4303713"/>
+                <a:gd name="connsiteX3" fmla="*/ 0 w 2611581"/>
+                <a:gd name="connsiteY3" fmla="*/ 4303713 h 4303713"/>
+                <a:gd name="connsiteX4" fmla="*/ 0 w 2611581"/>
+                <a:gd name="connsiteY4" fmla="*/ 0 h 4303713"/>
+                <a:gd name="connsiteX0" fmla="*/ 0 w 2611581"/>
+                <a:gd name="connsiteY0" fmla="*/ 0 h 4314104"/>
+                <a:gd name="connsiteX1" fmla="*/ 2611581 w 2611581"/>
+                <a:gd name="connsiteY1" fmla="*/ 0 h 4314104"/>
+                <a:gd name="connsiteX2" fmla="*/ 2611581 w 2611581"/>
+                <a:gd name="connsiteY2" fmla="*/ 4303713 h 4314104"/>
+                <a:gd name="connsiteX3" fmla="*/ 1693718 w 2611581"/>
+                <a:gd name="connsiteY3" fmla="*/ 4314104 h 4314104"/>
+                <a:gd name="connsiteX4" fmla="*/ 0 w 2611581"/>
+                <a:gd name="connsiteY4" fmla="*/ 0 h 4314104"/>
+                <a:gd name="connsiteX0" fmla="*/ 0 w 2611581"/>
+                <a:gd name="connsiteY0" fmla="*/ 0 h 4314104"/>
+                <a:gd name="connsiteX1" fmla="*/ 2611581 w 2611581"/>
+                <a:gd name="connsiteY1" fmla="*/ 0 h 4314104"/>
+                <a:gd name="connsiteX2" fmla="*/ 2611581 w 2611581"/>
+                <a:gd name="connsiteY2" fmla="*/ 4303713 h 4314104"/>
+                <a:gd name="connsiteX3" fmla="*/ 1963882 w 2611581"/>
+                <a:gd name="connsiteY3" fmla="*/ 4314104 h 4314104"/>
+                <a:gd name="connsiteX4" fmla="*/ 0 w 2611581"/>
+                <a:gd name="connsiteY4" fmla="*/ 0 h 4314104"/>
+                <a:gd name="connsiteX0" fmla="*/ 0 w 2611581"/>
+                <a:gd name="connsiteY0" fmla="*/ 0 h 4303713"/>
+                <a:gd name="connsiteX1" fmla="*/ 2611581 w 2611581"/>
+                <a:gd name="connsiteY1" fmla="*/ 0 h 4303713"/>
+                <a:gd name="connsiteX2" fmla="*/ 2611581 w 2611581"/>
+                <a:gd name="connsiteY2" fmla="*/ 4303713 h 4303713"/>
+                <a:gd name="connsiteX3" fmla="*/ 2213264 w 2611581"/>
+                <a:gd name="connsiteY3" fmla="*/ 4293322 h 4303713"/>
+                <a:gd name="connsiteX4" fmla="*/ 0 w 2611581"/>
+                <a:gd name="connsiteY4" fmla="*/ 0 h 4303713"/>
+                <a:gd name="connsiteX0" fmla="*/ 0 w 2611581"/>
+                <a:gd name="connsiteY0" fmla="*/ 0 h 4303713"/>
+                <a:gd name="connsiteX1" fmla="*/ 2611581 w 2611581"/>
+                <a:gd name="connsiteY1" fmla="*/ 0 h 4303713"/>
+                <a:gd name="connsiteX2" fmla="*/ 2611581 w 2611581"/>
+                <a:gd name="connsiteY2" fmla="*/ 4303713 h 4303713"/>
+                <a:gd name="connsiteX3" fmla="*/ 2171701 w 2611581"/>
+                <a:gd name="connsiteY3" fmla="*/ 3638695 h 4303713"/>
+                <a:gd name="connsiteX4" fmla="*/ 0 w 2611581"/>
+                <a:gd name="connsiteY4" fmla="*/ 0 h 4303713"/>
+                <a:gd name="connsiteX0" fmla="*/ 0 w 2720934"/>
+                <a:gd name="connsiteY0" fmla="*/ 268283 h 4303713"/>
+                <a:gd name="connsiteX1" fmla="*/ 2720934 w 2720934"/>
+                <a:gd name="connsiteY1" fmla="*/ 0 h 4303713"/>
+                <a:gd name="connsiteX2" fmla="*/ 2720934 w 2720934"/>
+                <a:gd name="connsiteY2" fmla="*/ 4303713 h 4303713"/>
+                <a:gd name="connsiteX3" fmla="*/ 2281054 w 2720934"/>
+                <a:gd name="connsiteY3" fmla="*/ 3638695 h 4303713"/>
+                <a:gd name="connsiteX4" fmla="*/ 0 w 2720934"/>
+                <a:gd name="connsiteY4" fmla="*/ 268283 h 4303713"/>
+                <a:gd name="connsiteX0" fmla="*/ 0 w 2720934"/>
+                <a:gd name="connsiteY0" fmla="*/ 268283 h 4303713"/>
+                <a:gd name="connsiteX1" fmla="*/ 2720934 w 2720934"/>
+                <a:gd name="connsiteY1" fmla="*/ 0 h 4303713"/>
+                <a:gd name="connsiteX2" fmla="*/ 2720934 w 2720934"/>
+                <a:gd name="connsiteY2" fmla="*/ 4303713 h 4303713"/>
+                <a:gd name="connsiteX3" fmla="*/ 2264231 w 2720934"/>
+                <a:gd name="connsiteY3" fmla="*/ 3717600 h 4303713"/>
+                <a:gd name="connsiteX4" fmla="*/ 0 w 2720934"/>
+                <a:gd name="connsiteY4" fmla="*/ 268283 h 4303713"/>
+                <a:gd name="connsiteX0" fmla="*/ 0 w 2720934"/>
+                <a:gd name="connsiteY0" fmla="*/ 268283 h 4335275"/>
+                <a:gd name="connsiteX1" fmla="*/ 2720934 w 2720934"/>
+                <a:gd name="connsiteY1" fmla="*/ 0 h 4335275"/>
+                <a:gd name="connsiteX2" fmla="*/ 2653639 w 2720934"/>
+                <a:gd name="connsiteY2" fmla="*/ 4335275 h 4335275"/>
+                <a:gd name="connsiteX3" fmla="*/ 2264231 w 2720934"/>
+                <a:gd name="connsiteY3" fmla="*/ 3717600 h 4335275"/>
+                <a:gd name="connsiteX4" fmla="*/ 0 w 2720934"/>
+                <a:gd name="connsiteY4" fmla="*/ 268283 h 4335275"/>
+                <a:gd name="connsiteX0" fmla="*/ 0 w 2737757"/>
+                <a:gd name="connsiteY0" fmla="*/ 236721 h 4335275"/>
+                <a:gd name="connsiteX1" fmla="*/ 2737757 w 2737757"/>
+                <a:gd name="connsiteY1" fmla="*/ 0 h 4335275"/>
+                <a:gd name="connsiteX2" fmla="*/ 2670462 w 2737757"/>
+                <a:gd name="connsiteY2" fmla="*/ 4335275 h 4335275"/>
+                <a:gd name="connsiteX3" fmla="*/ 2281054 w 2737757"/>
+                <a:gd name="connsiteY3" fmla="*/ 3717600 h 4335275"/>
+                <a:gd name="connsiteX4" fmla="*/ 0 w 2737757"/>
+                <a:gd name="connsiteY4" fmla="*/ 236721 h 4335275"/>
+                <a:gd name="connsiteX0" fmla="*/ 0 w 2729346"/>
+                <a:gd name="connsiteY0" fmla="*/ 0 h 4098554"/>
+                <a:gd name="connsiteX1" fmla="*/ 2729346 w 2729346"/>
+                <a:gd name="connsiteY1" fmla="*/ 126250 h 4098554"/>
+                <a:gd name="connsiteX2" fmla="*/ 2670462 w 2729346"/>
+                <a:gd name="connsiteY2" fmla="*/ 4098554 h 4098554"/>
+                <a:gd name="connsiteX3" fmla="*/ 2281054 w 2729346"/>
+                <a:gd name="connsiteY3" fmla="*/ 3480879 h 4098554"/>
+                <a:gd name="connsiteX4" fmla="*/ 0 w 2729346"/>
+                <a:gd name="connsiteY4" fmla="*/ 0 h 4098554"/>
+                <a:gd name="connsiteX0" fmla="*/ 0 w 2720934"/>
+                <a:gd name="connsiteY0" fmla="*/ 0 h 4098554"/>
+                <a:gd name="connsiteX1" fmla="*/ 2720934 w 2720934"/>
+                <a:gd name="connsiteY1" fmla="*/ 31562 h 4098554"/>
+                <a:gd name="connsiteX2" fmla="*/ 2670462 w 2720934"/>
+                <a:gd name="connsiteY2" fmla="*/ 4098554 h 4098554"/>
+                <a:gd name="connsiteX3" fmla="*/ 2281054 w 2720934"/>
+                <a:gd name="connsiteY3" fmla="*/ 3480879 h 4098554"/>
+                <a:gd name="connsiteX4" fmla="*/ 0 w 2720934"/>
+                <a:gd name="connsiteY4" fmla="*/ 0 h 4098554"/>
+                <a:gd name="connsiteX0" fmla="*/ 0 w 2720934"/>
+                <a:gd name="connsiteY0" fmla="*/ 15782 h 4114336"/>
+                <a:gd name="connsiteX1" fmla="*/ 2720934 w 2720934"/>
+                <a:gd name="connsiteY1" fmla="*/ 0 h 4114336"/>
+                <a:gd name="connsiteX2" fmla="*/ 2670462 w 2720934"/>
+                <a:gd name="connsiteY2" fmla="*/ 4114336 h 4114336"/>
+                <a:gd name="connsiteX3" fmla="*/ 2281054 w 2720934"/>
+                <a:gd name="connsiteY3" fmla="*/ 3496661 h 4114336"/>
+                <a:gd name="connsiteX4" fmla="*/ 0 w 2720934"/>
+                <a:gd name="connsiteY4" fmla="*/ 15782 h 4114336"/>
+                <a:gd name="connsiteX0" fmla="*/ 0 w 2820289"/>
+                <a:gd name="connsiteY0" fmla="*/ 15782 h 4114336"/>
+                <a:gd name="connsiteX1" fmla="*/ 2820289 w 2820289"/>
+                <a:gd name="connsiteY1" fmla="*/ 0 h 4114336"/>
+                <a:gd name="connsiteX2" fmla="*/ 2769817 w 2820289"/>
+                <a:gd name="connsiteY2" fmla="*/ 4114336 h 4114336"/>
+                <a:gd name="connsiteX3" fmla="*/ 2380409 w 2820289"/>
+                <a:gd name="connsiteY3" fmla="*/ 3496661 h 4114336"/>
+                <a:gd name="connsiteX4" fmla="*/ 0 w 2820289"/>
+                <a:gd name="connsiteY4" fmla="*/ 15782 h 4114336"/>
+                <a:gd name="connsiteX0" fmla="*/ 0 w 2820289"/>
+                <a:gd name="connsiteY0" fmla="*/ 15782 h 4114336"/>
+                <a:gd name="connsiteX1" fmla="*/ 2820289 w 2820289"/>
+                <a:gd name="connsiteY1" fmla="*/ 0 h 4114336"/>
+                <a:gd name="connsiteX2" fmla="*/ 2769817 w 2820289"/>
+                <a:gd name="connsiteY2" fmla="*/ 4114336 h 4114336"/>
+                <a:gd name="connsiteX3" fmla="*/ 2362876 w 2820289"/>
+                <a:gd name="connsiteY3" fmla="*/ 3517980 h 4114336"/>
+                <a:gd name="connsiteX4" fmla="*/ 0 w 2820289"/>
+                <a:gd name="connsiteY4" fmla="*/ 15782 h 4114336"/>
+                <a:gd name="connsiteX0" fmla="*/ 0 w 2820289"/>
+                <a:gd name="connsiteY0" fmla="*/ 15782 h 4114336"/>
+                <a:gd name="connsiteX1" fmla="*/ 2820289 w 2820289"/>
+                <a:gd name="connsiteY1" fmla="*/ 0 h 4114336"/>
+                <a:gd name="connsiteX2" fmla="*/ 2763972 w 2820289"/>
+                <a:gd name="connsiteY2" fmla="*/ 4114336 h 4114336"/>
+                <a:gd name="connsiteX3" fmla="*/ 2362876 w 2820289"/>
+                <a:gd name="connsiteY3" fmla="*/ 3517980 h 4114336"/>
+                <a:gd name="connsiteX4" fmla="*/ 0 w 2820289"/>
+                <a:gd name="connsiteY4" fmla="*/ 15782 h 4114336"/>
+                <a:gd name="connsiteX0" fmla="*/ 0 w 3721149"/>
+                <a:gd name="connsiteY0" fmla="*/ 0 h 4269703"/>
+                <a:gd name="connsiteX1" fmla="*/ 3721149 w 3721149"/>
+                <a:gd name="connsiteY1" fmla="*/ 155367 h 4269703"/>
+                <a:gd name="connsiteX2" fmla="*/ 3664832 w 3721149"/>
+                <a:gd name="connsiteY2" fmla="*/ 4269703 h 4269703"/>
+                <a:gd name="connsiteX3" fmla="*/ 3263736 w 3721149"/>
+                <a:gd name="connsiteY3" fmla="*/ 3673347 h 4269703"/>
+                <a:gd name="connsiteX4" fmla="*/ 0 w 3721149"/>
+                <a:gd name="connsiteY4" fmla="*/ 0 h 4269703"/>
+                <a:gd name="connsiteX0" fmla="*/ 0 w 3721149"/>
+                <a:gd name="connsiteY0" fmla="*/ 0 h 4289488"/>
+                <a:gd name="connsiteX1" fmla="*/ 3721149 w 3721149"/>
+                <a:gd name="connsiteY1" fmla="*/ 155367 h 4289488"/>
+                <a:gd name="connsiteX2" fmla="*/ 3664832 w 3721149"/>
+                <a:gd name="connsiteY2" fmla="*/ 4269703 h 4289488"/>
+                <a:gd name="connsiteX3" fmla="*/ 1705997 w 3721149"/>
+                <a:gd name="connsiteY3" fmla="*/ 4289488 h 4289488"/>
+                <a:gd name="connsiteX4" fmla="*/ 0 w 3721149"/>
+                <a:gd name="connsiteY4" fmla="*/ 0 h 4289488"/>
+                <a:gd name="connsiteX0" fmla="*/ 0 w 3664846"/>
+                <a:gd name="connsiteY0" fmla="*/ 15785 h 4305273"/>
+                <a:gd name="connsiteX1" fmla="*/ 3664846 w 3664846"/>
+                <a:gd name="connsiteY1" fmla="*/ 0 h 4305273"/>
+                <a:gd name="connsiteX2" fmla="*/ 3664832 w 3664846"/>
+                <a:gd name="connsiteY2" fmla="*/ 4285488 h 4305273"/>
+                <a:gd name="connsiteX3" fmla="*/ 1705997 w 3664846"/>
+                <a:gd name="connsiteY3" fmla="*/ 4305273 h 4305273"/>
+                <a:gd name="connsiteX4" fmla="*/ 0 w 3664846"/>
+                <a:gd name="connsiteY4" fmla="*/ 15785 h 4305273"/>
+              </a:gdLst>
+              <a:ahLst/>
+              <a:cxnLst>
+                <a:cxn ang="0">
+                  <a:pos x="connsiteX0" y="connsiteY0"/>
+                </a:cxn>
+                <a:cxn ang="0">
+                  <a:pos x="connsiteX1" y="connsiteY1"/>
+                </a:cxn>
+                <a:cxn ang="0">
+                  <a:pos x="connsiteX2" y="connsiteY2"/>
+                </a:cxn>
+                <a:cxn ang="0">
+                  <a:pos x="connsiteX3" y="connsiteY3"/>
+                </a:cxn>
+                <a:cxn ang="0">
+                  <a:pos x="connsiteX4" y="connsiteY4"/>
+                </a:cxn>
+              </a:cxnLst>
+              <a:rect l="l" t="t" r="r" b="b"/>
+              <a:pathLst>
+                <a:path w="3664846" h="4305273">
+                  <a:moveTo>
+                    <a:pt x="0" y="15785"/>
+                  </a:moveTo>
+                  <a:lnTo>
+                    <a:pt x="3664846" y="0"/>
+                  </a:lnTo>
+                  <a:cubicBezTo>
+                    <a:pt x="3664841" y="1428496"/>
+                    <a:pt x="3664837" y="2856992"/>
+                    <a:pt x="3664832" y="4285488"/>
+                  </a:cubicBezTo>
+                  <a:lnTo>
+                    <a:pt x="1705997" y="4305273"/>
+                  </a:lnTo>
+                  <a:lnTo>
+                    <a:pt x="0" y="15785"/>
+                  </a:lnTo>
+                  <a:close/>
+                </a:path>
+              </a:pathLst>
+            </a:custGeom>
+            <a:blipFill rotWithShape="0">
+              <a:blip r:embed="rId2">
+                <a:duotone>
+                  <a:schemeClr val="bg2">
+                    <a:shade val="76000"/>
+                    <a:satMod val="180000"/>
+                  </a:schemeClr>
+                  <a:schemeClr val="bg2">
+                    <a:tint val="80000"/>
+                    <a:satMod val="120000"/>
+                    <a:lumMod val="180000"/>
+                  </a:schemeClr>
+                </a:duotone>
+              </a:blip>
+              <a:stretch>
+                <a:fillRect l="-163116" t="-323529" r="-398251"/>
+              </a:stretch>
+            </a:blipFill>
+            <a:ln>
+              <a:noFill/>
+            </a:ln>
+          </p:spPr>
+          <p:style>
+            <a:lnRef idx="2">
+              <a:schemeClr val="accent1">
+                <a:shade val="50000"/>
+              </a:schemeClr>
+            </a:lnRef>
+            <a:fillRef idx="1">
+              <a:schemeClr val="accent1"/>
+            </a:fillRef>
+            <a:effectRef idx="0">
+              <a:schemeClr val="accent1"/>
+            </a:effectRef>
+            <a:fontRef idx="minor">
+              <a:schemeClr val="lt1"/>
+            </a:fontRef>
+          </p:style>
+          <p:txBody>
+            <a:bodyPr rtlCol="0" anchor="ctr"/>
+            <a:lstStyle/>
+            <a:p>
+              <a:pPr algn="ctr"/>
+              <a:endParaRPr lang="en-US"/>
+            </a:p>
+          </p:txBody>
+        </p:sp>
+      </p:grpSp>
+      <p:grpSp>
+        <p:nvGrpSpPr>
+          <p:cNvPr id="46" name="Group 45">
+            <a:extLst>
+              <a:ext uri="{FF2B5EF4-FFF2-40B4-BE49-F238E27FC236}">
+                <a16:creationId xmlns:a16="http://schemas.microsoft.com/office/drawing/2014/main" id="{7884AB1D-699B-435C-BC0A-D649097B95E3}"/>
+              </a:ext>
+              <a:ext uri="{C183D7F6-B498-43B3-948B-1728B52AA6E4}">
+                <adec:decorative xmlns:adec="http://schemas.microsoft.com/office/drawing/2017/decorative" val="1"/>
+              </a:ext>
+            </a:extLst>
+          </p:cNvPr>
+          <p:cNvGrpSpPr>
+            <a:grpSpLocks noGrp="1" noUngrp="1" noRot="1" noChangeAspect="1" noMove="1" noResize="1"/>
+          </p:cNvGrpSpPr>
+          <p:nvPr>
+            <p:extLst>
+              <p:ext uri="{386F3935-93C4-4BCD-93E2-E3B085C9AB24}">
+                <p16:designElem xmlns:p16="http://schemas.microsoft.com/office/powerpoint/2015/main" val="1"/>
+              </p:ext>
+            </p:extLst>
+          </p:nvPr>
+        </p:nvGrpSpPr>
+        <p:grpSpPr>
+          <a:xfrm>
+            <a:off x="2360612" y="0"/>
+            <a:ext cx="2436813" cy="6858001"/>
+            <a:chOff x="1320800" y="0"/>
+            <a:chExt cx="2436813" cy="6858001"/>
           </a:xfrm>
         </p:grpSpPr>
         <p:sp>
           <p:nvSpPr>
-            <p:cNvPr id="24" name="Freeform 6">
+            <p:cNvPr id="47" name="Freeform 6">
               <a:extLst>
                 <a:ext uri="{FF2B5EF4-FFF2-40B4-BE49-F238E27FC236}">
-                  <a16:creationId xmlns:a16="http://schemas.microsoft.com/office/drawing/2014/main" id="{8D38D45D-EF27-4B10-ACF6-5709ECC2B72A}"/>
+                  <a16:creationId xmlns:a16="http://schemas.microsoft.com/office/drawing/2014/main" id="{E081C1DB-D6A0-4ED6-A4FC-16466E903CDD}"/>
                 </a:ext>
                 <a:ext uri="{C183D7F6-B498-43B3-948B-1728B52AA6E4}">
                   <adec:decorative xmlns:adec="http://schemas.microsoft.com/office/drawing/2017/decorative" val="1"/>
@@ -9871,8 +9981,8 @@
           </p:nvSpPr>
           <p:spPr bwMode="auto">
             <a:xfrm>
-              <a:off x="3367088" y="-4763"/>
-              <a:ext cx="1063625" cy="2782888"/>
+              <a:off x="1627188" y="0"/>
+              <a:ext cx="1122363" cy="5329238"/>
             </a:xfrm>
             <a:custGeom>
               <a:avLst/>
@@ -9881,21 +9991,21 @@
               <a:cxnLst/>
               <a:rect l="0" t="0" r="r" b="b"/>
               <a:pathLst>
-                <a:path w="670" h="1753">
+                <a:path w="707" h="3357">
                   <a:moveTo>
-                    <a:pt x="0" y="1696"/>
+                    <a:pt x="0" y="3330"/>
                   </a:moveTo>
                   <a:lnTo>
-                    <a:pt x="225" y="1753"/>
-                  </a:lnTo>
-                  <a:lnTo>
-                    <a:pt x="670" y="0"/>
-                  </a:lnTo>
-                  <a:lnTo>
-                    <a:pt x="430" y="0"/>
-                  </a:lnTo>
-                  <a:lnTo>
-                    <a:pt x="0" y="1696"/>
+                    <a:pt x="156" y="3357"/>
+                  </a:lnTo>
+                  <a:lnTo>
+                    <a:pt x="707" y="0"/>
+                  </a:lnTo>
+                  <a:lnTo>
+                    <a:pt x="547" y="0"/>
+                  </a:lnTo>
+                  <a:lnTo>
+                    <a:pt x="0" y="3330"/>
                   </a:lnTo>
                   <a:close/>
                 </a:path>
@@ -9911,10 +10021,10 @@
         </p:sp>
         <p:sp>
           <p:nvSpPr>
-            <p:cNvPr id="25" name="Freeform 7">
+            <p:cNvPr id="48" name="Freeform 7">
               <a:extLst>
                 <a:ext uri="{FF2B5EF4-FFF2-40B4-BE49-F238E27FC236}">
-                  <a16:creationId xmlns:a16="http://schemas.microsoft.com/office/drawing/2014/main" id="{7E738667-74E2-4FA0-9B05-260D9F3D7506}"/>
+                  <a16:creationId xmlns:a16="http://schemas.microsoft.com/office/drawing/2014/main" id="{0BE09B71-5BD8-4B95-8DE8-A10B0657D5CA}"/>
                 </a:ext>
                 <a:ext uri="{C183D7F6-B498-43B3-948B-1728B52AA6E4}">
                   <adec:decorative xmlns:adec="http://schemas.microsoft.com/office/drawing/2017/decorative" val="1"/>
@@ -9932,8 +10042,8 @@
           </p:nvSpPr>
           <p:spPr bwMode="auto">
             <a:xfrm>
-              <a:off x="2928938" y="-4763"/>
-              <a:ext cx="1035050" cy="2673350"/>
+              <a:off x="1320800" y="0"/>
+              <a:ext cx="1117600" cy="5276850"/>
             </a:xfrm>
             <a:custGeom>
               <a:avLst/>
@@ -9942,24 +10052,21 @@
               <a:cxnLst/>
               <a:rect l="0" t="0" r="r" b="b"/>
               <a:pathLst>
-                <a:path w="652" h="1684">
+                <a:path w="704" h="3324">
                   <a:moveTo>
-                    <a:pt x="225" y="1684"/>
+                    <a:pt x="704" y="0"/>
                   </a:moveTo>
                   <a:lnTo>
-                    <a:pt x="652" y="0"/>
-                  </a:lnTo>
-                  <a:lnTo>
-                    <a:pt x="411" y="0"/>
-                  </a:lnTo>
-                  <a:lnTo>
-                    <a:pt x="0" y="1627"/>
-                  </a:lnTo>
-                  <a:lnTo>
-                    <a:pt x="219" y="1681"/>
-                  </a:lnTo>
-                  <a:lnTo>
-                    <a:pt x="225" y="1684"/>
+                    <a:pt x="545" y="0"/>
+                  </a:lnTo>
+                  <a:lnTo>
+                    <a:pt x="0" y="3300"/>
+                  </a:lnTo>
+                  <a:lnTo>
+                    <a:pt x="157" y="3324"/>
+                  </a:lnTo>
+                  <a:lnTo>
+                    <a:pt x="704" y="0"/>
                   </a:lnTo>
                   <a:close/>
                 </a:path>
@@ -9978,10 +10085,10 @@
         </p:sp>
         <p:sp>
           <p:nvSpPr>
-            <p:cNvPr id="26" name="Freeform 9">
+            <p:cNvPr id="49" name="Freeform 8">
               <a:extLst>
                 <a:ext uri="{FF2B5EF4-FFF2-40B4-BE49-F238E27FC236}">
-                  <a16:creationId xmlns:a16="http://schemas.microsoft.com/office/drawing/2014/main" id="{A5044C01-88A9-414D-ACC3-1A13B71FC098}"/>
+                  <a16:creationId xmlns:a16="http://schemas.microsoft.com/office/drawing/2014/main" id="{F5AAF0BD-4755-42CE-B339-2C2746BB7FBB}"/>
                 </a:ext>
                 <a:ext uri="{C183D7F6-B498-43B3-948B-1728B52AA6E4}">
                   <adec:decorative xmlns:adec="http://schemas.microsoft.com/office/drawing/2017/decorative" val="1"/>
@@ -9999,8 +10106,8 @@
           </p:nvSpPr>
           <p:spPr bwMode="auto">
             <a:xfrm>
-              <a:off x="2928938" y="2582862"/>
-              <a:ext cx="2693987" cy="4275138"/>
+              <a:off x="1320800" y="5238750"/>
+              <a:ext cx="1228725" cy="1619250"/>
             </a:xfrm>
             <a:custGeom>
               <a:avLst/>
@@ -10009,15 +10116,15 @@
               <a:cxnLst/>
               <a:rect l="0" t="0" r="r" b="b"/>
               <a:pathLst>
-                <a:path w="1697" h="2693">
+                <a:path w="774" h="1020">
                   <a:moveTo>
                     <a:pt x="0" y="0"/>
                   </a:moveTo>
                   <a:lnTo>
-                    <a:pt x="1622" y="2693"/>
-                  </a:lnTo>
-                  <a:lnTo>
-                    <a:pt x="1697" y="2693"/>
+                    <a:pt x="740" y="1020"/>
+                  </a:lnTo>
+                  <a:lnTo>
+                    <a:pt x="774" y="1020"/>
                   </a:lnTo>
                   <a:lnTo>
                     <a:pt x="0" y="0"/>
@@ -10039,10 +10146,10 @@
         </p:sp>
         <p:sp>
           <p:nvSpPr>
-            <p:cNvPr id="27" name="Freeform 10">
+            <p:cNvPr id="50" name="Freeform 9">
               <a:extLst>
                 <a:ext uri="{FF2B5EF4-FFF2-40B4-BE49-F238E27FC236}">
-                  <a16:creationId xmlns:a16="http://schemas.microsoft.com/office/drawing/2014/main" id="{5883D39A-EF33-4BD1-AA7F-AD7CC905D4BC}"/>
+                  <a16:creationId xmlns:a16="http://schemas.microsoft.com/office/drawing/2014/main" id="{3824AAED-F160-40F4-8FBB-F674A4ECFE96}"/>
                 </a:ext>
                 <a:ext uri="{C183D7F6-B498-43B3-948B-1728B52AA6E4}">
                   <adec:decorative xmlns:adec="http://schemas.microsoft.com/office/drawing/2017/decorative" val="1"/>
@@ -10060,8 +10167,8 @@
           </p:nvSpPr>
           <p:spPr bwMode="auto">
             <a:xfrm>
-              <a:off x="3371850" y="2692400"/>
-              <a:ext cx="3332162" cy="4165600"/>
+              <a:off x="1627188" y="5291138"/>
+              <a:ext cx="1495425" cy="1566863"/>
             </a:xfrm>
             <a:custGeom>
               <a:avLst/>
@@ -10070,18 +10177,18 @@
               <a:cxnLst/>
               <a:rect l="0" t="0" r="r" b="b"/>
               <a:pathLst>
-                <a:path w="2099" h="2624">
+                <a:path w="942" h="987">
                   <a:moveTo>
-                    <a:pt x="2099" y="2624"/>
+                    <a:pt x="0" y="0"/>
                   </a:moveTo>
                   <a:lnTo>
+                    <a:pt x="909" y="987"/>
+                  </a:lnTo>
+                  <a:lnTo>
+                    <a:pt x="942" y="987"/>
+                  </a:lnTo>
+                  <a:lnTo>
                     <a:pt x="0" y="0"/>
-                  </a:lnTo>
-                  <a:lnTo>
-                    <a:pt x="2021" y="2624"/>
-                  </a:lnTo>
-                  <a:lnTo>
-                    <a:pt x="2099" y="2624"/>
                   </a:lnTo>
                   <a:close/>
                 </a:path>
@@ -10099,10 +10206,10 @@
         </p:sp>
         <p:sp>
           <p:nvSpPr>
-            <p:cNvPr id="28" name="Freeform 11">
+            <p:cNvPr id="51" name="Freeform 10">
               <a:extLst>
                 <a:ext uri="{FF2B5EF4-FFF2-40B4-BE49-F238E27FC236}">
-                  <a16:creationId xmlns:a16="http://schemas.microsoft.com/office/drawing/2014/main" id="{7C98FB2E-0AE9-4B67-BBA2-65D60B7603B0}"/>
+                  <a16:creationId xmlns:a16="http://schemas.microsoft.com/office/drawing/2014/main" id="{2D4B81E4-BEC2-45B9-8242-EB39601830D7}"/>
                 </a:ext>
                 <a:ext uri="{C183D7F6-B498-43B3-948B-1728B52AA6E4}">
                   <adec:decorative xmlns:adec="http://schemas.microsoft.com/office/drawing/2017/decorative" val="1"/>
@@ -10120,8 +10227,8 @@
           </p:nvSpPr>
           <p:spPr bwMode="auto">
             <a:xfrm>
-              <a:off x="3367088" y="2687637"/>
-              <a:ext cx="4576762" cy="4170363"/>
+              <a:off x="1627188" y="5286375"/>
+              <a:ext cx="2130425" cy="1571625"/>
             </a:xfrm>
             <a:custGeom>
               <a:avLst/>
@@ -10130,24 +10237,24 @@
               <a:cxnLst/>
               <a:rect l="0" t="0" r="r" b="b"/>
               <a:pathLst>
-                <a:path w="2883" h="2627">
+                <a:path w="1342" h="990">
                   <a:moveTo>
+                    <a:pt x="0" y="3"/>
+                  </a:moveTo>
+                  <a:lnTo>
+                    <a:pt x="942" y="990"/>
+                  </a:lnTo>
+                  <a:lnTo>
+                    <a:pt x="1342" y="990"/>
+                  </a:lnTo>
+                  <a:lnTo>
+                    <a:pt x="156" y="27"/>
+                  </a:lnTo>
+                  <a:lnTo>
                     <a:pt x="0" y="0"/>
-                  </a:moveTo>
-                  <a:lnTo>
-                    <a:pt x="3" y="3"/>
-                  </a:lnTo>
-                  <a:lnTo>
-                    <a:pt x="2102" y="2627"/>
-                  </a:lnTo>
-                  <a:lnTo>
-                    <a:pt x="2883" y="2627"/>
-                  </a:lnTo>
-                  <a:lnTo>
-                    <a:pt x="225" y="57"/>
-                  </a:lnTo>
-                  <a:lnTo>
-                    <a:pt x="0" y="0"/>
+                  </a:lnTo>
+                  <a:lnTo>
+                    <a:pt x="0" y="3"/>
                   </a:lnTo>
                   <a:close/>
                 </a:path>
@@ -10165,10 +10272,10 @@
         </p:sp>
         <p:sp>
           <p:nvSpPr>
-            <p:cNvPr id="29" name="Freeform 12">
+            <p:cNvPr id="52" name="Freeform 11">
               <a:extLst>
                 <a:ext uri="{FF2B5EF4-FFF2-40B4-BE49-F238E27FC236}">
-                  <a16:creationId xmlns:a16="http://schemas.microsoft.com/office/drawing/2014/main" id="{B5ECBF49-84ED-4A43-BDB5-7B89B3E77D1D}"/>
+                  <a16:creationId xmlns:a16="http://schemas.microsoft.com/office/drawing/2014/main" id="{3CF69791-86E8-4D88-B224-E0D2775DC03F}"/>
                 </a:ext>
                 <a:ext uri="{C183D7F6-B498-43B3-948B-1728B52AA6E4}">
                   <adec:decorative xmlns:adec="http://schemas.microsoft.com/office/drawing/2017/decorative" val="1"/>
@@ -10186,8 +10293,8 @@
           </p:nvSpPr>
           <p:spPr bwMode="auto">
             <a:xfrm>
-              <a:off x="2928938" y="2578100"/>
-              <a:ext cx="3584575" cy="4279900"/>
+              <a:off x="1320800" y="5238750"/>
+              <a:ext cx="1695450" cy="1619250"/>
             </a:xfrm>
             <a:custGeom>
               <a:avLst/>
@@ -10196,30 +10303,36 @@
               <a:cxnLst/>
               <a:rect l="0" t="0" r="r" b="b"/>
               <a:pathLst>
-                <a:path w="2258" h="2696">
+                <a:path w="1068" h="1020">
                   <a:moveTo>
-                    <a:pt x="2258" y="2696"/>
+                    <a:pt x="1068" y="1020"/>
                   </a:moveTo>
                   <a:lnTo>
-                    <a:pt x="264" y="111"/>
-                  </a:lnTo>
-                  <a:lnTo>
-                    <a:pt x="228" y="60"/>
-                  </a:lnTo>
-                  <a:lnTo>
-                    <a:pt x="225" y="57"/>
+                    <a:pt x="184" y="60"/>
+                  </a:lnTo>
+                  <a:lnTo>
+                    <a:pt x="154" y="27"/>
+                  </a:lnTo>
+                  <a:lnTo>
+                    <a:pt x="157" y="27"/>
+                  </a:lnTo>
+                  <a:lnTo>
+                    <a:pt x="157" y="24"/>
+                  </a:lnTo>
+                  <a:lnTo>
+                    <a:pt x="154" y="24"/>
                   </a:lnTo>
                   <a:lnTo>
                     <a:pt x="0" y="0"/>
                   </a:lnTo>
                   <a:lnTo>
-                    <a:pt x="0" y="3"/>
-                  </a:lnTo>
-                  <a:lnTo>
-                    <a:pt x="1697" y="2696"/>
-                  </a:lnTo>
-                  <a:lnTo>
-                    <a:pt x="2258" y="2696"/>
+                    <a:pt x="0" y="0"/>
+                  </a:lnTo>
+                  <a:lnTo>
+                    <a:pt x="774" y="1020"/>
+                  </a:lnTo>
+                  <a:lnTo>
+                    <a:pt x="1068" y="1020"/>
                   </a:lnTo>
                   <a:close/>
                 </a:path>
@@ -10237,6 +10350,185 @@
           </p:spPr>
         </p:sp>
       </p:grpSp>
+      <p:sp>
+        <p:nvSpPr>
+          <p:cNvPr id="4" name="Title 3">
+            <a:extLst>
+              <a:ext uri="{FF2B5EF4-FFF2-40B4-BE49-F238E27FC236}">
+                <a16:creationId xmlns:a16="http://schemas.microsoft.com/office/drawing/2014/main" id="{77AC2CBC-E212-4304-B094-D52C4B7FDF24}"/>
+              </a:ext>
+            </a:extLst>
+          </p:cNvPr>
+          <p:cNvSpPr>
+            <a:spLocks noGrp="1"/>
+          </p:cNvSpPr>
+          <p:nvPr>
+            <p:ph type="title"/>
+          </p:nvPr>
+        </p:nvSpPr>
+        <p:spPr>
+          <a:xfrm>
+            <a:off x="3962399" y="685800"/>
+            <a:ext cx="7345891" cy="1413933"/>
+          </a:xfrm>
+        </p:spPr>
+        <p:txBody>
+          <a:bodyPr vert="horz" lIns="91440" tIns="45720" rIns="91440" bIns="45720" rtlCol="0" anchor="ctr">
+            <a:normAutofit/>
+          </a:bodyPr>
+          <a:lstStyle/>
+          <a:p>
+            <a:r>
+              <a:rPr lang="en-US"/>
+              <a:t>References</a:t>
+            </a:r>
+          </a:p>
+        </p:txBody>
+      </p:sp>
+      <p:sp>
+        <p:nvSpPr>
+          <p:cNvPr id="2" name="TextBox 1">
+            <a:extLst>
+              <a:ext uri="{FF2B5EF4-FFF2-40B4-BE49-F238E27FC236}">
+                <a16:creationId xmlns:a16="http://schemas.microsoft.com/office/drawing/2014/main" id="{164078AB-DBE3-4BF9-9A97-A338ACE48343}"/>
+              </a:ext>
+            </a:extLst>
+          </p:cNvPr>
+          <p:cNvSpPr txBox="1"/>
+          <p:nvPr/>
+        </p:nvSpPr>
+        <p:spPr>
+          <a:xfrm>
+            <a:off x="3843867" y="2048933"/>
+            <a:ext cx="7659875" cy="1913467"/>
+          </a:xfrm>
+          <a:prstGeom prst="rect">
+            <a:avLst/>
+          </a:prstGeom>
+        </p:spPr>
+        <p:txBody>
+          <a:bodyPr vert="horz" lIns="91440" tIns="45720" rIns="91440" bIns="45720" rtlCol="0" anchor="ctr">
+            <a:normAutofit/>
+          </a:bodyPr>
+          <a:lstStyle/>
+          <a:p>
+            <a:pPr>
+              <a:spcBef>
+                <a:spcPct val="20000"/>
+              </a:spcBef>
+              <a:spcAft>
+                <a:spcPts val="600"/>
+              </a:spcAft>
+              <a:buClr>
+                <a:schemeClr val="accent1">
+                  <a:lumMod val="75000"/>
+                </a:schemeClr>
+              </a:buClr>
+              <a:buSzPct val="145000"/>
+              <a:buFont typeface="Arial"/>
+              <a:buChar char="•"/>
+            </a:pPr>
+            <a:r>
+              <a:rPr lang="en-US" dirty="0"/>
+              <a:t>  </a:t>
+            </a:r>
+            <a:r>
+              <a:rPr lang="en-US" dirty="0">
+                <a:hlinkClick r:id="rId4"/>
+              </a:rPr>
+              <a:t>https://github.com/nannohk/GPU_Benchmark.git</a:t>
+            </a:r>
+            <a:endParaRPr lang="en-US" dirty="0"/>
+          </a:p>
+          <a:p>
+            <a:pPr>
+              <a:spcBef>
+                <a:spcPct val="20000"/>
+              </a:spcBef>
+              <a:spcAft>
+                <a:spcPts val="600"/>
+              </a:spcAft>
+              <a:buClr>
+                <a:schemeClr val="accent1">
+                  <a:lumMod val="75000"/>
+                </a:schemeClr>
+              </a:buClr>
+              <a:buSzPct val="145000"/>
+              <a:buFont typeface="Arial"/>
+              <a:buChar char="•"/>
+            </a:pPr>
+            <a:r>
+              <a:rPr lang="en-US" dirty="0"/>
+              <a:t>  </a:t>
+            </a:r>
+            <a:r>
+              <a:rPr lang="en-US" dirty="0">
+                <a:hlinkClick r:id="rId5"/>
+              </a:rPr>
+              <a:t>https://docs.oracle.com/en/java/javase/15/docs/api/index.html</a:t>
+            </a:r>
+            <a:endParaRPr lang="en-US" dirty="0"/>
+          </a:p>
+          <a:p>
+            <a:pPr>
+              <a:spcBef>
+                <a:spcPct val="20000"/>
+              </a:spcBef>
+              <a:spcAft>
+                <a:spcPts val="600"/>
+              </a:spcAft>
+              <a:buClr>
+                <a:schemeClr val="accent1">
+                  <a:lumMod val="75000"/>
+                </a:schemeClr>
+              </a:buClr>
+              <a:buSzPct val="145000"/>
+              <a:buFont typeface="Arial"/>
+              <a:buChar char="•"/>
+            </a:pPr>
+            <a:r>
+              <a:rPr lang="en-US" dirty="0"/>
+              <a:t>  </a:t>
+            </a:r>
+            <a:r>
+              <a:rPr lang="en-US" dirty="0">
+                <a:hlinkClick r:id="rId6"/>
+              </a:rPr>
+              <a:t>https://www.pexels.com/videos/</a:t>
+            </a:r>
+            <a:endParaRPr lang="en-US" dirty="0"/>
+          </a:p>
+          <a:p>
+            <a:pPr>
+              <a:spcBef>
+                <a:spcPct val="20000"/>
+              </a:spcBef>
+              <a:spcAft>
+                <a:spcPts val="600"/>
+              </a:spcAft>
+              <a:buClr>
+                <a:schemeClr val="accent1">
+                  <a:lumMod val="75000"/>
+                </a:schemeClr>
+              </a:buClr>
+              <a:buSzPct val="145000"/>
+              <a:buFont typeface="Arial"/>
+              <a:buChar char="•"/>
+            </a:pPr>
+            <a:r>
+              <a:rPr lang="en-US" dirty="0"/>
+              <a:t>  </a:t>
+            </a:r>
+            <a:r>
+              <a:rPr lang="en-US" dirty="0">
+                <a:hlinkClick r:id="rId7"/>
+              </a:rPr>
+              <a:t>https://www.videvo.net/</a:t>
+            </a:r>
+            <a:endParaRPr lang="en-US" dirty="0"/>
+          </a:p>
+        </p:txBody>
+      </p:sp>
     </p:spTree>
     <p:extLst>
       <p:ext uri="{BB962C8B-B14F-4D97-AF65-F5344CB8AC3E}">
@@ -10247,6 +10539,98 @@
   <p:clrMapOvr>
     <a:masterClrMapping/>
   </p:clrMapOvr>
+  <p:timing>
+    <p:tnLst>
+      <p:par>
+        <p:cTn id="1" dur="indefinite" restart="never" nodeType="tmRoot">
+          <p:childTnLst>
+            <p:seq concurrent="1" nextAc="seek">
+              <p:cTn id="2" dur="indefinite" nodeType="mainSeq">
+                <p:childTnLst>
+                  <p:par>
+                    <p:cTn id="3" fill="hold">
+                      <p:stCondLst>
+                        <p:cond delay="indefinite"/>
+                        <p:cond evt="onBegin" delay="0">
+                          <p:tn val="2"/>
+                        </p:cond>
+                      </p:stCondLst>
+                      <p:childTnLst>
+                        <p:par>
+                          <p:cTn id="4" fill="hold">
+                            <p:stCondLst>
+                              <p:cond delay="0"/>
+                            </p:stCondLst>
+                            <p:childTnLst>
+                              <p:par>
+                                <p:cTn id="5" presetID="10" presetClass="entr" presetSubtype="0" fill="hold" grpId="0" nodeType="withEffect">
+                                  <p:stCondLst>
+                                    <p:cond delay="1000"/>
+                                  </p:stCondLst>
+                                  <p:iterate>
+                                    <p:tmPct val="10000"/>
+                                  </p:iterate>
+                                  <p:childTnLst>
+                                    <p:set>
+                                      <p:cBhvr>
+                                        <p:cTn id="6" dur="1" fill="hold">
+                                          <p:stCondLst>
+                                            <p:cond delay="0"/>
+                                          </p:stCondLst>
+                                        </p:cTn>
+                                        <p:tgtEl>
+                                          <p:spTgt spid="4"/>
+                                        </p:tgtEl>
+                                        <p:attrNameLst>
+                                          <p:attrName>style.visibility</p:attrName>
+                                        </p:attrNameLst>
+                                      </p:cBhvr>
+                                      <p:to>
+                                        <p:strVal val="visible"/>
+                                      </p:to>
+                                    </p:set>
+                                    <p:animEffect transition="in" filter="fade">
+                                      <p:cBhvr>
+                                        <p:cTn id="7" dur="700"/>
+                                        <p:tgtEl>
+                                          <p:spTgt spid="4"/>
+                                        </p:tgtEl>
+                                      </p:cBhvr>
+                                    </p:animEffect>
+                                  </p:childTnLst>
+                                </p:cTn>
+                              </p:par>
+                            </p:childTnLst>
+                          </p:cTn>
+                        </p:par>
+                      </p:childTnLst>
+                    </p:cTn>
+                  </p:par>
+                </p:childTnLst>
+              </p:cTn>
+              <p:prevCondLst>
+                <p:cond evt="onPrev" delay="0">
+                  <p:tgtEl>
+                    <p:sldTgt/>
+                  </p:tgtEl>
+                </p:cond>
+              </p:prevCondLst>
+              <p:nextCondLst>
+                <p:cond evt="onNext" delay="0">
+                  <p:tgtEl>
+                    <p:sldTgt/>
+                  </p:tgtEl>
+                </p:cond>
+              </p:nextCondLst>
+            </p:seq>
+          </p:childTnLst>
+        </p:cTn>
+      </p:par>
+    </p:tnLst>
+    <p:bldLst>
+      <p:bldP spid="4" grpId="0"/>
+    </p:bldLst>
+  </p:timing>
 </p:sld>
 </file>
 

--- a/Presentation.pptx
+++ b/Presentation.pptx
@@ -10,8 +10,9 @@
     <p:sldId id="260" r:id="rId4"/>
     <p:sldId id="257" r:id="rId5"/>
     <p:sldId id="261" r:id="rId6"/>
-    <p:sldId id="258" r:id="rId7"/>
-    <p:sldId id="262" r:id="rId8"/>
+    <p:sldId id="263" r:id="rId7"/>
+    <p:sldId id="258" r:id="rId8"/>
+    <p:sldId id="262" r:id="rId9"/>
   </p:sldIdLst>
   <p:sldSz cx="12192000" cy="6858000"/>
   <p:notesSz cx="6858000" cy="9144000"/>
@@ -620,7 +621,7 @@
           <a:p>
             <a:fld id="{B76D86A5-E0A8-4657-9D9F-7CF1ABC3176C}" type="datetimeFigureOut">
               <a:rPr lang="en-CA" smtClean="0"/>
-              <a:t>2022-04-10</a:t>
+              <a:t>2022-04-11</a:t>
             </a:fld>
             <a:endParaRPr lang="en-CA"/>
           </a:p>
@@ -916,7 +917,7 @@
           <a:p>
             <a:fld id="{B76D86A5-E0A8-4657-9D9F-7CF1ABC3176C}" type="datetimeFigureOut">
               <a:rPr lang="en-CA" smtClean="0"/>
-              <a:t>2022-04-10</a:t>
+              <a:t>2022-04-11</a:t>
             </a:fld>
             <a:endParaRPr lang="en-CA"/>
           </a:p>
@@ -1164,7 +1165,7 @@
           <a:p>
             <a:fld id="{B76D86A5-E0A8-4657-9D9F-7CF1ABC3176C}" type="datetimeFigureOut">
               <a:rPr lang="en-CA" smtClean="0"/>
-              <a:t>2022-04-10</a:t>
+              <a:t>2022-04-11</a:t>
             </a:fld>
             <a:endParaRPr lang="en-CA"/>
           </a:p>
@@ -1704,7 +1705,7 @@
           <a:p>
             <a:fld id="{B76D86A5-E0A8-4657-9D9F-7CF1ABC3176C}" type="datetimeFigureOut">
               <a:rPr lang="en-CA" smtClean="0"/>
-              <a:t>2022-04-10</a:t>
+              <a:t>2022-04-11</a:t>
             </a:fld>
             <a:endParaRPr lang="en-CA"/>
           </a:p>
@@ -1952,7 +1953,7 @@
           <a:p>
             <a:fld id="{B76D86A5-E0A8-4657-9D9F-7CF1ABC3176C}" type="datetimeFigureOut">
               <a:rPr lang="en-CA" smtClean="0"/>
-              <a:t>2022-04-10</a:t>
+              <a:t>2022-04-11</a:t>
             </a:fld>
             <a:endParaRPr lang="en-CA"/>
           </a:p>
@@ -2484,7 +2485,7 @@
           <a:p>
             <a:fld id="{B76D86A5-E0A8-4657-9D9F-7CF1ABC3176C}" type="datetimeFigureOut">
               <a:rPr lang="en-CA" smtClean="0"/>
-              <a:t>2022-04-10</a:t>
+              <a:t>2022-04-11</a:t>
             </a:fld>
             <a:endParaRPr lang="en-CA"/>
           </a:p>
@@ -2781,7 +2782,7 @@
           <a:p>
             <a:fld id="{B76D86A5-E0A8-4657-9D9F-7CF1ABC3176C}" type="datetimeFigureOut">
               <a:rPr lang="en-CA" smtClean="0"/>
-              <a:t>2022-04-10</a:t>
+              <a:t>2022-04-11</a:t>
             </a:fld>
             <a:endParaRPr lang="en-CA"/>
           </a:p>
@@ -2955,7 +2956,7 @@
           <a:p>
             <a:fld id="{B76D86A5-E0A8-4657-9D9F-7CF1ABC3176C}" type="datetimeFigureOut">
               <a:rPr lang="en-CA" smtClean="0"/>
-              <a:t>2022-04-10</a:t>
+              <a:t>2022-04-11</a:t>
             </a:fld>
             <a:endParaRPr lang="en-CA"/>
           </a:p>
@@ -3135,7 +3136,7 @@
           <a:p>
             <a:fld id="{B76D86A5-E0A8-4657-9D9F-7CF1ABC3176C}" type="datetimeFigureOut">
               <a:rPr lang="en-CA" smtClean="0"/>
-              <a:t>2022-04-10</a:t>
+              <a:t>2022-04-11</a:t>
             </a:fld>
             <a:endParaRPr lang="en-CA"/>
           </a:p>
@@ -3346,7 +3347,7 @@
           <a:p>
             <a:fld id="{B76D86A5-E0A8-4657-9D9F-7CF1ABC3176C}" type="datetimeFigureOut">
               <a:rPr lang="en-CA" smtClean="0"/>
-              <a:t>2022-04-10</a:t>
+              <a:t>2022-04-11</a:t>
             </a:fld>
             <a:endParaRPr lang="en-CA"/>
           </a:p>
@@ -3597,7 +3598,7 @@
           <a:p>
             <a:fld id="{B76D86A5-E0A8-4657-9D9F-7CF1ABC3176C}" type="datetimeFigureOut">
               <a:rPr lang="en-CA" smtClean="0"/>
-              <a:t>2022-04-10</a:t>
+              <a:t>2022-04-11</a:t>
             </a:fld>
             <a:endParaRPr lang="en-CA"/>
           </a:p>
@@ -3944,7 +3945,7 @@
           <a:p>
             <a:fld id="{B76D86A5-E0A8-4657-9D9F-7CF1ABC3176C}" type="datetimeFigureOut">
               <a:rPr lang="en-CA" smtClean="0"/>
-              <a:t>2022-04-10</a:t>
+              <a:t>2022-04-11</a:t>
             </a:fld>
             <a:endParaRPr lang="en-CA"/>
           </a:p>
@@ -4436,7 +4437,7 @@
           <a:p>
             <a:fld id="{B76D86A5-E0A8-4657-9D9F-7CF1ABC3176C}" type="datetimeFigureOut">
               <a:rPr lang="en-CA" smtClean="0"/>
-              <a:t>2022-04-10</a:t>
+              <a:t>2022-04-11</a:t>
             </a:fld>
             <a:endParaRPr lang="en-CA"/>
           </a:p>
@@ -4554,7 +4555,7 @@
           <a:p>
             <a:fld id="{B76D86A5-E0A8-4657-9D9F-7CF1ABC3176C}" type="datetimeFigureOut">
               <a:rPr lang="en-CA" smtClean="0"/>
-              <a:t>2022-04-10</a:t>
+              <a:t>2022-04-11</a:t>
             </a:fld>
             <a:endParaRPr lang="en-CA"/>
           </a:p>
@@ -4649,7 +4650,7 @@
           <a:p>
             <a:fld id="{B76D86A5-E0A8-4657-9D9F-7CF1ABC3176C}" type="datetimeFigureOut">
               <a:rPr lang="en-CA" smtClean="0"/>
-              <a:t>2022-04-10</a:t>
+              <a:t>2022-04-11</a:t>
             </a:fld>
             <a:endParaRPr lang="en-CA"/>
           </a:p>
@@ -4932,7 +4933,7 @@
           <a:p>
             <a:fld id="{B76D86A5-E0A8-4657-9D9F-7CF1ABC3176C}" type="datetimeFigureOut">
               <a:rPr lang="en-CA" smtClean="0"/>
-              <a:t>2022-04-10</a:t>
+              <a:t>2022-04-11</a:t>
             </a:fld>
             <a:endParaRPr lang="en-CA"/>
           </a:p>
@@ -5223,7 +5224,7 @@
           <a:p>
             <a:fld id="{B76D86A5-E0A8-4657-9D9F-7CF1ABC3176C}" type="datetimeFigureOut">
               <a:rPr lang="en-CA" smtClean="0"/>
-              <a:t>2022-04-10</a:t>
+              <a:t>2022-04-11</a:t>
             </a:fld>
             <a:endParaRPr lang="en-CA"/>
           </a:p>
@@ -5753,7 +5754,7 @@
           <a:p>
             <a:fld id="{B76D86A5-E0A8-4657-9D9F-7CF1ABC3176C}" type="datetimeFigureOut">
               <a:rPr lang="en-CA" smtClean="0"/>
-              <a:t>2022-04-10</a:t>
+              <a:t>2022-04-11</a:t>
             </a:fld>
             <a:endParaRPr lang="en-CA"/>
           </a:p>
@@ -7476,7 +7477,7 @@
       </p:grpSpPr>
       <p:sp useBgFill="1">
         <p:nvSpPr>
-          <p:cNvPr id="31" name="Rectangle 30">
+          <p:cNvPr id="42" name="Rectangle 37">
             <a:extLst>
               <a:ext uri="{FF2B5EF4-FFF2-40B4-BE49-F238E27FC236}">
                 <a16:creationId xmlns:a16="http://schemas.microsoft.com/office/drawing/2014/main" id="{2A6E5540-546A-4FE7-B738-0CBF94E97CCC}"/>
@@ -7536,7 +7537,7 @@
       </p:sp>
       <p:sp>
         <p:nvSpPr>
-          <p:cNvPr id="33" name="Rounded Rectangle 16">
+          <p:cNvPr id="43" name="Rounded Rectangle 16">
             <a:extLst>
               <a:ext uri="{FF2B5EF4-FFF2-40B4-BE49-F238E27FC236}">
                 <a16:creationId xmlns:a16="http://schemas.microsoft.com/office/drawing/2014/main" id="{865ADA62-317E-475C-846E-136EAC4EFBA9}"/>
@@ -7621,10 +7622,10 @@
       </p:sp>
       <p:pic>
         <p:nvPicPr>
-          <p:cNvPr id="3" name="Picture 2">
+          <p:cNvPr id="6" name="Picture 5">
             <a:extLst>
               <a:ext uri="{FF2B5EF4-FFF2-40B4-BE49-F238E27FC236}">
-                <a16:creationId xmlns:a16="http://schemas.microsoft.com/office/drawing/2014/main" id="{101526AF-E473-4D41-9A0E-0E7DB6032D17}"/>
+                <a16:creationId xmlns:a16="http://schemas.microsoft.com/office/drawing/2014/main" id="{994D770F-678E-47A5-BB26-B913D6F9757E}"/>
               </a:ext>
             </a:extLst>
           </p:cNvPr>
@@ -7641,8 +7642,8 @@
         </p:blipFill>
         <p:spPr>
           <a:xfrm>
-            <a:off x="970098" y="1058430"/>
-            <a:ext cx="10208464" cy="4721414"/>
+            <a:off x="788863" y="951350"/>
+            <a:ext cx="10714161" cy="4955299"/>
           </a:xfrm>
           <a:prstGeom prst="rect">
             <a:avLst/>
@@ -7702,7 +7703,7 @@
       </p:grpSpPr>
       <p:grpSp>
         <p:nvGrpSpPr>
-          <p:cNvPr id="8" name="Group 7">
+          <p:cNvPr id="21" name="Group 20">
             <a:extLst>
               <a:ext uri="{FF2B5EF4-FFF2-40B4-BE49-F238E27FC236}">
                 <a16:creationId xmlns:a16="http://schemas.microsoft.com/office/drawing/2014/main" id="{DD65B30C-427F-449E-B039-E288E85D8AFA}"/>
@@ -7733,7 +7734,7 @@
         </p:grpSpPr>
         <p:sp>
           <p:nvSpPr>
-            <p:cNvPr id="9" name="Freeform 6">
+            <p:cNvPr id="22" name="Freeform 6">
               <a:extLst>
                 <a:ext uri="{FF2B5EF4-FFF2-40B4-BE49-F238E27FC236}">
                   <a16:creationId xmlns:a16="http://schemas.microsoft.com/office/drawing/2014/main" id="{9F47D947-83F7-46E3-872B-0777122A0A28}"/>
@@ -7794,7 +7795,7 @@
         </p:sp>
         <p:sp>
           <p:nvSpPr>
-            <p:cNvPr id="10" name="Freeform 7">
+            <p:cNvPr id="23" name="Freeform 7">
               <a:extLst>
                 <a:ext uri="{FF2B5EF4-FFF2-40B4-BE49-F238E27FC236}">
                   <a16:creationId xmlns:a16="http://schemas.microsoft.com/office/drawing/2014/main" id="{60C7B45B-6634-46FA-862D-B86F1C3C5064}"/>
@@ -7858,7 +7859,7 @@
         </p:sp>
         <p:sp>
           <p:nvSpPr>
-            <p:cNvPr id="11" name="Freeform 8">
+            <p:cNvPr id="24" name="Freeform 8">
               <a:extLst>
                 <a:ext uri="{FF2B5EF4-FFF2-40B4-BE49-F238E27FC236}">
                   <a16:creationId xmlns:a16="http://schemas.microsoft.com/office/drawing/2014/main" id="{C7504CC0-DD94-4ED9-ADC9-6FE7AEA33FF0}"/>
@@ -7919,7 +7920,7 @@
         </p:sp>
         <p:sp>
           <p:nvSpPr>
-            <p:cNvPr id="12" name="Freeform 9">
+            <p:cNvPr id="25" name="Freeform 9">
               <a:extLst>
                 <a:ext uri="{FF2B5EF4-FFF2-40B4-BE49-F238E27FC236}">
                   <a16:creationId xmlns:a16="http://schemas.microsoft.com/office/drawing/2014/main" id="{64268326-B6DD-4E00-9788-6C319279AC7C}"/>
@@ -7979,7 +7980,7 @@
         </p:sp>
         <p:sp>
           <p:nvSpPr>
-            <p:cNvPr id="13" name="Freeform 10">
+            <p:cNvPr id="26" name="Freeform 10">
               <a:extLst>
                 <a:ext uri="{FF2B5EF4-FFF2-40B4-BE49-F238E27FC236}">
                   <a16:creationId xmlns:a16="http://schemas.microsoft.com/office/drawing/2014/main" id="{92C7B3DE-DB23-4AAC-B142-C803C0C0A154}"/>
@@ -8045,7 +8046,7 @@
         </p:sp>
         <p:sp>
           <p:nvSpPr>
-            <p:cNvPr id="14" name="Freeform 11">
+            <p:cNvPr id="27" name="Freeform 11">
               <a:extLst>
                 <a:ext uri="{FF2B5EF4-FFF2-40B4-BE49-F238E27FC236}">
                   <a16:creationId xmlns:a16="http://schemas.microsoft.com/office/drawing/2014/main" id="{1EEF04DC-4E0D-4127-A98D-EA81C3B2DE3D}"/>
@@ -8125,7 +8126,7 @@
       </p:grpSp>
       <p:sp>
         <p:nvSpPr>
-          <p:cNvPr id="16" name="Freeform: Shape 15">
+          <p:cNvPr id="29" name="Freeform: Shape 28">
             <a:extLst>
               <a:ext uri="{FF2B5EF4-FFF2-40B4-BE49-F238E27FC236}">
                 <a16:creationId xmlns:a16="http://schemas.microsoft.com/office/drawing/2014/main" id="{084966D2-3C9B-4F47-8231-1DEC33D3BDFE}"/>
@@ -8269,10 +8270,10 @@
       </p:sp>
       <p:pic>
         <p:nvPicPr>
-          <p:cNvPr id="3" name="Picture 2" descr="Chart, box and whisker chart&#10;&#10;Description automatically generated">
+          <p:cNvPr id="4" name="Picture 3">
             <a:extLst>
               <a:ext uri="{FF2B5EF4-FFF2-40B4-BE49-F238E27FC236}">
-                <a16:creationId xmlns:a16="http://schemas.microsoft.com/office/drawing/2014/main" id="{E2FD2F4A-7401-4FF3-B511-6E9D84A16C75}"/>
+                <a16:creationId xmlns:a16="http://schemas.microsoft.com/office/drawing/2014/main" id="{2A42D043-7AD5-4BB7-B141-886B9E96E297}"/>
               </a:ext>
             </a:extLst>
           </p:cNvPr>
@@ -8289,8 +8290,8 @@
         </p:blipFill>
         <p:spPr>
           <a:xfrm>
-            <a:off x="2279928" y="1042131"/>
-            <a:ext cx="8946872" cy="4764210"/>
+            <a:off x="1607278" y="1110778"/>
+            <a:ext cx="10262989" cy="4720976"/>
           </a:xfrm>
           <a:prstGeom prst="rect">
             <a:avLst/>
@@ -8416,7 +8417,7 @@
       </p:grpSpPr>
       <p:grpSp>
         <p:nvGrpSpPr>
-          <p:cNvPr id="21" name="Group 20">
+          <p:cNvPr id="34" name="Group 33">
             <a:extLst>
               <a:ext uri="{FF2B5EF4-FFF2-40B4-BE49-F238E27FC236}">
                 <a16:creationId xmlns:a16="http://schemas.microsoft.com/office/drawing/2014/main" id="{DD65B30C-427F-449E-B039-E288E85D8AFA}"/>
@@ -8447,7 +8448,7 @@
         </p:grpSpPr>
         <p:sp>
           <p:nvSpPr>
-            <p:cNvPr id="22" name="Freeform 6">
+            <p:cNvPr id="35" name="Freeform 6">
               <a:extLst>
                 <a:ext uri="{FF2B5EF4-FFF2-40B4-BE49-F238E27FC236}">
                   <a16:creationId xmlns:a16="http://schemas.microsoft.com/office/drawing/2014/main" id="{9F47D947-83F7-46E3-872B-0777122A0A28}"/>
@@ -8508,7 +8509,7 @@
         </p:sp>
         <p:sp>
           <p:nvSpPr>
-            <p:cNvPr id="23" name="Freeform 7">
+            <p:cNvPr id="46" name="Freeform 7">
               <a:extLst>
                 <a:ext uri="{FF2B5EF4-FFF2-40B4-BE49-F238E27FC236}">
                   <a16:creationId xmlns:a16="http://schemas.microsoft.com/office/drawing/2014/main" id="{60C7B45B-6634-46FA-862D-B86F1C3C5064}"/>
@@ -8572,7 +8573,7 @@
         </p:sp>
         <p:sp>
           <p:nvSpPr>
-            <p:cNvPr id="24" name="Freeform 8">
+            <p:cNvPr id="37" name="Freeform 8">
               <a:extLst>
                 <a:ext uri="{FF2B5EF4-FFF2-40B4-BE49-F238E27FC236}">
                   <a16:creationId xmlns:a16="http://schemas.microsoft.com/office/drawing/2014/main" id="{C7504CC0-DD94-4ED9-ADC9-6FE7AEA33FF0}"/>
@@ -8633,7 +8634,7 @@
         </p:sp>
         <p:sp>
           <p:nvSpPr>
-            <p:cNvPr id="25" name="Freeform 9">
+            <p:cNvPr id="38" name="Freeform 9">
               <a:extLst>
                 <a:ext uri="{FF2B5EF4-FFF2-40B4-BE49-F238E27FC236}">
                   <a16:creationId xmlns:a16="http://schemas.microsoft.com/office/drawing/2014/main" id="{64268326-B6DD-4E00-9788-6C319279AC7C}"/>
@@ -8693,7 +8694,7 @@
         </p:sp>
         <p:sp>
           <p:nvSpPr>
-            <p:cNvPr id="26" name="Freeform 10">
+            <p:cNvPr id="39" name="Freeform 10">
               <a:extLst>
                 <a:ext uri="{FF2B5EF4-FFF2-40B4-BE49-F238E27FC236}">
                   <a16:creationId xmlns:a16="http://schemas.microsoft.com/office/drawing/2014/main" id="{92C7B3DE-DB23-4AAC-B142-C803C0C0A154}"/>
@@ -8759,7 +8760,7 @@
         </p:sp>
         <p:sp>
           <p:nvSpPr>
-            <p:cNvPr id="27" name="Freeform 11">
+            <p:cNvPr id="40" name="Freeform 11">
               <a:extLst>
                 <a:ext uri="{FF2B5EF4-FFF2-40B4-BE49-F238E27FC236}">
                   <a16:creationId xmlns:a16="http://schemas.microsoft.com/office/drawing/2014/main" id="{1EEF04DC-4E0D-4127-A98D-EA81C3B2DE3D}"/>
@@ -8839,7 +8840,7 @@
       </p:grpSp>
       <p:sp>
         <p:nvSpPr>
-          <p:cNvPr id="29" name="Freeform: Shape 28">
+          <p:cNvPr id="42" name="Freeform: Shape 41">
             <a:extLst>
               <a:ext uri="{FF2B5EF4-FFF2-40B4-BE49-F238E27FC236}">
                 <a16:creationId xmlns:a16="http://schemas.microsoft.com/office/drawing/2014/main" id="{084966D2-3C9B-4F47-8231-1DEC33D3BDFE}"/>
@@ -8983,10 +8984,10 @@
       </p:sp>
       <p:pic>
         <p:nvPicPr>
-          <p:cNvPr id="4" name="Picture 3" descr="Chart, bar chart&#10;&#10;Description automatically generated">
+          <p:cNvPr id="6" name="Picture 5">
             <a:extLst>
               <a:ext uri="{FF2B5EF4-FFF2-40B4-BE49-F238E27FC236}">
-                <a16:creationId xmlns:a16="http://schemas.microsoft.com/office/drawing/2014/main" id="{C4998336-83A5-4C28-99D7-9BBF4BDBC48B}"/>
+                <a16:creationId xmlns:a16="http://schemas.microsoft.com/office/drawing/2014/main" id="{EB96D6D2-C5D1-4DDF-AC46-7251F8DDD4C7}"/>
               </a:ext>
             </a:extLst>
           </p:cNvPr>
@@ -9003,8 +9004,8 @@
         </p:blipFill>
         <p:spPr>
           <a:xfrm>
-            <a:off x="2279928" y="1053315"/>
-            <a:ext cx="8946872" cy="4741842"/>
+            <a:off x="1607278" y="983226"/>
+            <a:ext cx="10155237" cy="4671410"/>
           </a:xfrm>
           <a:prstGeom prst="rect">
             <a:avLst/>
@@ -9025,6 +9026,221 @@
 </file>
 
 <file path=ppt/slides/slide6.xml><?xml version="1.0" encoding="utf-8"?>
+<p:sld xmlns:a="http://schemas.openxmlformats.org/drawingml/2006/main" xmlns:r="http://schemas.openxmlformats.org/officeDocument/2006/relationships" xmlns:p="http://schemas.openxmlformats.org/presentationml/2006/main">
+  <p:cSld>
+    <p:bg>
+      <p:bgPr>
+        <a:blipFill rotWithShape="1">
+          <a:blip r:embed="rId2">
+            <a:duotone>
+              <a:schemeClr val="bg2">
+                <a:shade val="76000"/>
+                <a:satMod val="180000"/>
+              </a:schemeClr>
+              <a:schemeClr val="bg2">
+                <a:tint val="80000"/>
+                <a:satMod val="120000"/>
+                <a:lumMod val="180000"/>
+              </a:schemeClr>
+            </a:duotone>
+          </a:blip>
+          <a:stretch/>
+        </a:blipFill>
+        <a:effectLst/>
+      </p:bgPr>
+    </p:bg>
+    <p:spTree>
+      <p:nvGrpSpPr>
+        <p:cNvPr id="1" name=""/>
+        <p:cNvGrpSpPr/>
+        <p:nvPr/>
+      </p:nvGrpSpPr>
+      <p:grpSpPr>
+        <a:xfrm>
+          <a:off x="0" y="0"/>
+          <a:ext cx="0" cy="0"/>
+          <a:chOff x="0" y="0"/>
+          <a:chExt cx="0" cy="0"/>
+        </a:xfrm>
+      </p:grpSpPr>
+      <p:sp>
+        <p:nvSpPr>
+          <p:cNvPr id="8" name="Rectangle 7">
+            <a:extLst>
+              <a:ext uri="{FF2B5EF4-FFF2-40B4-BE49-F238E27FC236}">
+                <a16:creationId xmlns:a16="http://schemas.microsoft.com/office/drawing/2014/main" id="{7FF78026-DEBB-4D5A-9A4E-872456603835}"/>
+              </a:ext>
+              <a:ext uri="{C183D7F6-B498-43B3-948B-1728B52AA6E4}">
+                <adec:decorative xmlns:adec="http://schemas.microsoft.com/office/drawing/2017/decorative" val="1"/>
+              </a:ext>
+            </a:extLst>
+          </p:cNvPr>
+          <p:cNvSpPr>
+            <a:spLocks noGrp="1" noRot="1" noChangeAspect="1" noMove="1" noResize="1" noEditPoints="1" noAdjustHandles="1" noChangeArrowheads="1" noChangeShapeType="1" noTextEdit="1"/>
+          </p:cNvSpPr>
+          <p:nvPr>
+            <p:extLst>
+              <p:ext uri="{386F3935-93C4-4BCD-93E2-E3B085C9AB24}">
+                <p16:designElem xmlns:p16="http://schemas.microsoft.com/office/powerpoint/2015/main" val="1"/>
+              </p:ext>
+            </p:extLst>
+          </p:nvPr>
+        </p:nvSpPr>
+        <p:spPr>
+          <a:xfrm>
+            <a:off x="0" y="0"/>
+            <a:ext cx="12192000" cy="6858000"/>
+          </a:xfrm>
+          <a:prstGeom prst="rect">
+            <a:avLst/>
+          </a:prstGeom>
+          <a:solidFill>
+            <a:schemeClr val="tx1">
+              <a:lumMod val="65000"/>
+              <a:lumOff val="35000"/>
+            </a:schemeClr>
+          </a:solidFill>
+          <a:ln>
+            <a:noFill/>
+          </a:ln>
+        </p:spPr>
+        <p:style>
+          <a:lnRef idx="2">
+            <a:schemeClr val="accent1">
+              <a:shade val="50000"/>
+            </a:schemeClr>
+          </a:lnRef>
+          <a:fillRef idx="1">
+            <a:schemeClr val="accent1"/>
+          </a:fillRef>
+          <a:effectRef idx="0">
+            <a:schemeClr val="accent1"/>
+          </a:effectRef>
+          <a:fontRef idx="minor">
+            <a:schemeClr val="lt1"/>
+          </a:fontRef>
+        </p:style>
+        <p:txBody>
+          <a:bodyPr rtlCol="0" anchor="ctr"/>
+          <a:lstStyle/>
+          <a:p>
+            <a:pPr algn="ctr"/>
+            <a:endParaRPr lang="en-US"/>
+          </a:p>
+        </p:txBody>
+      </p:sp>
+      <p:sp>
+        <p:nvSpPr>
+          <p:cNvPr id="10" name="Rectangle 9">
+            <a:extLst>
+              <a:ext uri="{FF2B5EF4-FFF2-40B4-BE49-F238E27FC236}">
+                <a16:creationId xmlns:a16="http://schemas.microsoft.com/office/drawing/2014/main" id="{E05E1684-CF44-4EAD-B3A4-FCE98461F3EE}"/>
+              </a:ext>
+              <a:ext uri="{C183D7F6-B498-43B3-948B-1728B52AA6E4}">
+                <adec:decorative xmlns:adec="http://schemas.microsoft.com/office/drawing/2017/decorative" val="1"/>
+              </a:ext>
+            </a:extLst>
+          </p:cNvPr>
+          <p:cNvSpPr>
+            <a:spLocks noGrp="1" noRot="1" noChangeAspect="1" noMove="1" noResize="1" noEditPoints="1" noAdjustHandles="1" noChangeArrowheads="1" noChangeShapeType="1" noTextEdit="1"/>
+          </p:cNvSpPr>
+          <p:nvPr>
+            <p:extLst>
+              <p:ext uri="{386F3935-93C4-4BCD-93E2-E3B085C9AB24}">
+                <p16:designElem xmlns:p16="http://schemas.microsoft.com/office/powerpoint/2015/main" val="1"/>
+              </p:ext>
+            </p:extLst>
+          </p:nvPr>
+        </p:nvSpPr>
+        <p:spPr>
+          <a:xfrm>
+            <a:off x="477012" y="480060"/>
+            <a:ext cx="11237976" cy="5897880"/>
+          </a:xfrm>
+          <a:prstGeom prst="rect">
+            <a:avLst/>
+          </a:prstGeom>
+          <a:solidFill>
+            <a:srgbClr val="FFFFFF"/>
+          </a:solidFill>
+          <a:ln>
+            <a:noFill/>
+          </a:ln>
+        </p:spPr>
+        <p:style>
+          <a:lnRef idx="2">
+            <a:schemeClr val="accent1">
+              <a:shade val="50000"/>
+            </a:schemeClr>
+          </a:lnRef>
+          <a:fillRef idx="1">
+            <a:schemeClr val="accent1"/>
+          </a:fillRef>
+          <a:effectRef idx="0">
+            <a:schemeClr val="accent1"/>
+          </a:effectRef>
+          <a:fontRef idx="minor">
+            <a:schemeClr val="lt1"/>
+          </a:fontRef>
+        </p:style>
+        <p:txBody>
+          <a:bodyPr rtlCol="0" anchor="ctr"/>
+          <a:lstStyle/>
+          <a:p>
+            <a:pPr algn="ctr"/>
+            <a:endParaRPr lang="en-US"/>
+          </a:p>
+        </p:txBody>
+      </p:sp>
+      <p:pic>
+        <p:nvPicPr>
+          <p:cNvPr id="3" name="Picture 2" descr="Chart&#10;&#10;Description automatically generated">
+            <a:extLst>
+              <a:ext uri="{FF2B5EF4-FFF2-40B4-BE49-F238E27FC236}">
+                <a16:creationId xmlns:a16="http://schemas.microsoft.com/office/drawing/2014/main" id="{0DB68369-BF49-4DD1-B6AA-90107B5CDDEF}"/>
+              </a:ext>
+            </a:extLst>
+          </p:cNvPr>
+          <p:cNvPicPr>
+            <a:picLocks noChangeAspect="1"/>
+          </p:cNvPicPr>
+          <p:nvPr/>
+        </p:nvPicPr>
+        <p:blipFill rotWithShape="1">
+          <a:blip r:embed="rId3">
+            <a:extLst>
+              <a:ext uri="{28A0092B-C50C-407E-A947-70E740481C1C}">
+                <a14:useLocalDpi xmlns:a14="http://schemas.microsoft.com/office/drawing/2010/main" val="0"/>
+              </a:ext>
+            </a:extLst>
+          </a:blip>
+          <a:srcRect l="-26" t="16023" r="1"/>
+          <a:stretch/>
+        </p:blipFill>
+        <p:spPr>
+          <a:xfrm>
+            <a:off x="884904" y="561763"/>
+            <a:ext cx="10637098" cy="5734473"/>
+          </a:xfrm>
+          <a:prstGeom prst="rect">
+            <a:avLst/>
+          </a:prstGeom>
+        </p:spPr>
+      </p:pic>
+    </p:spTree>
+    <p:extLst>
+      <p:ext uri="{BB962C8B-B14F-4D97-AF65-F5344CB8AC3E}">
+        <p14:creationId xmlns:p14="http://schemas.microsoft.com/office/powerpoint/2010/main" val="2461724520"/>
+      </p:ext>
+    </p:extLst>
+  </p:cSld>
+  <p:clrMapOvr>
+    <a:masterClrMapping/>
+  </p:clrMapOvr>
+</p:sld>
+</file>
+
+<file path=ppt/slides/slide7.xml><?xml version="1.0" encoding="utf-8"?>
 <p:sld xmlns:a="http://schemas.openxmlformats.org/drawingml/2006/main" xmlns:r="http://schemas.openxmlformats.org/officeDocument/2006/relationships" xmlns:p="http://schemas.openxmlformats.org/presentationml/2006/main">
   <p:cSld>
     <p:bg>
@@ -9110,7 +9326,7 @@
 </p:sld>
 </file>
 
-<file path=ppt/slides/slide7.xml><?xml version="1.0" encoding="utf-8"?>
+<file path=ppt/slides/slide8.xml><?xml version="1.0" encoding="utf-8"?>
 <p:sld xmlns:a="http://schemas.openxmlformats.org/drawingml/2006/main" xmlns:r="http://schemas.openxmlformats.org/officeDocument/2006/relationships" xmlns:p="http://schemas.openxmlformats.org/presentationml/2006/main">
   <p:cSld>
     <p:bg>
